--- a/Abschlusspräsentation-Festiva_Änderungen Nicola.pptx
+++ b/Abschlusspräsentation-Festiva_Änderungen Nicola.pptx
@@ -907,7 +907,7 @@
         <a:lstStyle/>
         <a:p>
           <a:r>
-            <a:rPr lang="en-US" dirty="0" err="1" smtClean="0"/>
+            <a:rPr lang="en-US" dirty="0" err="1"/>
             <a:t>Funktionen</a:t>
           </a:r>
           <a:endParaRPr lang="en-US" dirty="0"/>
@@ -953,10 +953,10 @@
         <a:lstStyle/>
         <a:p>
           <a:r>
-            <a:rPr lang="en-US" dirty="0" err="1" smtClean="0"/>
+            <a:rPr lang="en-US" dirty="0" err="1"/>
             <a:t>Fazit</a:t>
           </a:r>
-          <a:endParaRPr lang="en-US" dirty="0" smtClean="0"/>
+          <a:endParaRPr lang="en-US" dirty="0"/>
         </a:p>
       </dgm:t>
     </dgm:pt>
@@ -999,15 +999,15 @@
         <a:lstStyle/>
         <a:p>
           <a:r>
-            <a:rPr lang="en-US" dirty="0" err="1" smtClean="0"/>
+            <a:rPr lang="en-US" dirty="0" err="1"/>
             <a:t>Technisches</a:t>
           </a:r>
           <a:r>
-            <a:rPr lang="en-US" dirty="0" smtClean="0"/>
+            <a:rPr lang="en-US" dirty="0"/>
             <a:t> </a:t>
           </a:r>
           <a:r>
-            <a:rPr lang="en-US" dirty="0" err="1" smtClean="0"/>
+            <a:rPr lang="en-US" dirty="0" err="1"/>
             <a:t>Konzept</a:t>
           </a:r>
           <a:endParaRPr lang="en-US" dirty="0"/>
@@ -1059,7 +1059,7 @@
         <a:lstStyle/>
         <a:p>
           <a:r>
-            <a:rPr lang="en-US" dirty="0" err="1" smtClean="0"/>
+            <a:rPr lang="en-US" dirty="0" err="1"/>
             <a:t>Projektmanagement</a:t>
           </a:r>
           <a:endParaRPr lang="en-US" dirty="0"/>
@@ -1105,10 +1105,9 @@
         <a:lstStyle/>
         <a:p>
           <a:r>
-            <a:rPr lang="en-US" dirty="0" smtClean="0"/>
+            <a:rPr lang="en-US" dirty="0"/>
             <a:t>Live Demo</a:t>
           </a:r>
-          <a:endParaRPr lang="en-US" dirty="0"/>
         </a:p>
       </dgm:t>
     </dgm:pt>
@@ -1143,13 +1142,6 @@
         </dgm:presLayoutVars>
       </dgm:prSet>
       <dgm:spPr/>
-      <dgm:t>
-        <a:bodyPr/>
-        <a:lstStyle/>
-        <a:p>
-          <a:endParaRPr lang="de-DE"/>
-        </a:p>
-      </dgm:t>
     </dgm:pt>
     <dgm:pt modelId="{9055AC92-AB81-4ACA-8ABC-50B3F863DFB3}" type="pres">
       <dgm:prSet presAssocID="{F4990926-4545-4652-9821-B3E9335821DD}" presName="Name1" presStyleCnt="0"/>
@@ -1166,13 +1158,6 @@
     <dgm:pt modelId="{08338200-011D-419C-8D6C-DB93198330EB}" type="pres">
       <dgm:prSet presAssocID="{F4990926-4545-4652-9821-B3E9335821DD}" presName="conn" presStyleLbl="parChTrans1D2" presStyleIdx="0" presStyleCnt="1"/>
       <dgm:spPr/>
-      <dgm:t>
-        <a:bodyPr/>
-        <a:lstStyle/>
-        <a:p>
-          <a:endParaRPr lang="de-DE"/>
-        </a:p>
-      </dgm:t>
     </dgm:pt>
     <dgm:pt modelId="{CBAC0F48-23E1-455F-8346-82F50862B0AF}" type="pres">
       <dgm:prSet presAssocID="{F4990926-4545-4652-9821-B3E9335821DD}" presName="extraNode" presStyleLbl="node1" presStyleIdx="0" presStyleCnt="5"/>
@@ -1189,13 +1174,6 @@
         </dgm:presLayoutVars>
       </dgm:prSet>
       <dgm:spPr/>
-      <dgm:t>
-        <a:bodyPr/>
-        <a:lstStyle/>
-        <a:p>
-          <a:endParaRPr lang="en-GB"/>
-        </a:p>
-      </dgm:t>
     </dgm:pt>
     <dgm:pt modelId="{8977C4FF-AE82-4B71-8DF1-382BD931CA11}" type="pres">
       <dgm:prSet presAssocID="{1EF54ED1-D960-47E6-B715-96AC945ADAD8}" presName="accent_1" presStyleCnt="0"/>
@@ -1217,13 +1195,6 @@
           </a:solidFill>
         </a:ln>
       </dgm:spPr>
-      <dgm:t>
-        <a:bodyPr/>
-        <a:lstStyle/>
-        <a:p>
-          <a:endParaRPr lang="de-DE"/>
-        </a:p>
-      </dgm:t>
     </dgm:pt>
     <dgm:pt modelId="{B3942B6B-74BD-4E80-8DEE-0DFEAB6ED8ED}" type="pres">
       <dgm:prSet presAssocID="{6190FCA0-BBB1-4B98-A589-2A8622BC17F3}" presName="text_2" presStyleLbl="node1" presStyleIdx="1" presStyleCnt="5">
@@ -1232,13 +1203,6 @@
         </dgm:presLayoutVars>
       </dgm:prSet>
       <dgm:spPr/>
-      <dgm:t>
-        <a:bodyPr/>
-        <a:lstStyle/>
-        <a:p>
-          <a:endParaRPr lang="de-DE"/>
-        </a:p>
-      </dgm:t>
     </dgm:pt>
     <dgm:pt modelId="{721F9818-AB47-4949-920A-B4609767E8E5}" type="pres">
       <dgm:prSet presAssocID="{6190FCA0-BBB1-4B98-A589-2A8622BC17F3}" presName="accent_2" presStyleCnt="0"/>
@@ -1253,13 +1217,6 @@
           </a:solidFill>
         </a:ln>
       </dgm:spPr>
-      <dgm:t>
-        <a:bodyPr/>
-        <a:lstStyle/>
-        <a:p>
-          <a:endParaRPr lang="de-DE"/>
-        </a:p>
-      </dgm:t>
     </dgm:pt>
     <dgm:pt modelId="{89906392-974E-4299-A4FF-B570A1175F16}" type="pres">
       <dgm:prSet presAssocID="{3A84CA82-0B3E-46ED-B10A-555218B09A96}" presName="text_3" presStyleLbl="node1" presStyleIdx="2" presStyleCnt="5">
@@ -1268,13 +1225,6 @@
         </dgm:presLayoutVars>
       </dgm:prSet>
       <dgm:spPr/>
-      <dgm:t>
-        <a:bodyPr/>
-        <a:lstStyle/>
-        <a:p>
-          <a:endParaRPr lang="en-GB"/>
-        </a:p>
-      </dgm:t>
     </dgm:pt>
     <dgm:pt modelId="{395DD5B9-EEDD-4C7E-B5B6-6F89B90B1A49}" type="pres">
       <dgm:prSet presAssocID="{3A84CA82-0B3E-46ED-B10A-555218B09A96}" presName="accent_3" presStyleCnt="0"/>
@@ -1289,13 +1239,6 @@
           </a:solidFill>
         </a:ln>
       </dgm:spPr>
-      <dgm:t>
-        <a:bodyPr/>
-        <a:lstStyle/>
-        <a:p>
-          <a:endParaRPr lang="de-DE"/>
-        </a:p>
-      </dgm:t>
     </dgm:pt>
     <dgm:pt modelId="{6AD977A6-66BC-4167-A29D-96F0AF8FBEA7}" type="pres">
       <dgm:prSet presAssocID="{9550E736-1EA7-4B06-A059-CC1D16FEDD6C}" presName="text_4" presStyleLbl="node1" presStyleIdx="3" presStyleCnt="5">
@@ -1304,13 +1247,6 @@
         </dgm:presLayoutVars>
       </dgm:prSet>
       <dgm:spPr/>
-      <dgm:t>
-        <a:bodyPr/>
-        <a:lstStyle/>
-        <a:p>
-          <a:endParaRPr lang="de-DE"/>
-        </a:p>
-      </dgm:t>
     </dgm:pt>
     <dgm:pt modelId="{B9F7EEB7-50FF-424A-8515-4BA2ECE84741}" type="pres">
       <dgm:prSet presAssocID="{9550E736-1EA7-4B06-A059-CC1D16FEDD6C}" presName="accent_4" presStyleCnt="0"/>
@@ -1325,13 +1261,6 @@
           </a:solidFill>
         </a:ln>
       </dgm:spPr>
-      <dgm:t>
-        <a:bodyPr/>
-        <a:lstStyle/>
-        <a:p>
-          <a:endParaRPr lang="de-DE"/>
-        </a:p>
-      </dgm:t>
     </dgm:pt>
     <dgm:pt modelId="{E0DDF579-4168-429F-A041-526B06B4E9F3}" type="pres">
       <dgm:prSet presAssocID="{288190EE-4D49-4FC2-AF52-678B03F85511}" presName="text_5" presStyleLbl="node1" presStyleIdx="4" presStyleCnt="5">
@@ -1340,13 +1269,6 @@
         </dgm:presLayoutVars>
       </dgm:prSet>
       <dgm:spPr/>
-      <dgm:t>
-        <a:bodyPr/>
-        <a:lstStyle/>
-        <a:p>
-          <a:endParaRPr lang="de-DE"/>
-        </a:p>
-      </dgm:t>
     </dgm:pt>
     <dgm:pt modelId="{22DA48AD-EFB4-4775-A96C-5ED29A0BCA90}" type="pres">
       <dgm:prSet presAssocID="{288190EE-4D49-4FC2-AF52-678B03F85511}" presName="accent_5" presStyleCnt="0"/>
@@ -1361,13 +1283,6 @@
           </a:solidFill>
         </a:ln>
       </dgm:spPr>
-      <dgm:t>
-        <a:bodyPr/>
-        <a:lstStyle/>
-        <a:p>
-          <a:endParaRPr lang="de-DE"/>
-        </a:p>
-      </dgm:t>
     </dgm:pt>
   </dgm:ptLst>
   <dgm:cxnLst>
@@ -1508,7 +1423,7 @@
         </a:bodyPr>
         <a:lstStyle/>
         <a:p>
-          <a:pPr lvl="0" algn="l" defTabSz="1377950">
+          <a:pPr marL="0" lvl="0" indent="0" algn="l" defTabSz="1377950">
             <a:lnSpc>
               <a:spcPct val="90000"/>
             </a:lnSpc>
@@ -1518,17 +1433,18 @@
             <a:spcAft>
               <a:spcPct val="35000"/>
             </a:spcAft>
+            <a:buNone/>
           </a:pPr>
           <a:r>
-            <a:rPr lang="en-US" sz="3100" kern="1200" dirty="0" err="1" smtClean="0"/>
+            <a:rPr lang="en-US" sz="3100" kern="1200" dirty="0" err="1"/>
             <a:t>Technisches</a:t>
           </a:r>
           <a:r>
-            <a:rPr lang="en-US" sz="3100" kern="1200" dirty="0" smtClean="0"/>
+            <a:rPr lang="en-US" sz="3100" kern="1200" dirty="0"/>
             <a:t> </a:t>
           </a:r>
           <a:r>
-            <a:rPr lang="en-US" sz="3100" kern="1200" dirty="0" err="1" smtClean="0"/>
+            <a:rPr lang="en-US" sz="3100" kern="1200" dirty="0" err="1"/>
             <a:t>Konzept</a:t>
           </a:r>
           <a:endParaRPr lang="en-US" sz="3100" kern="1200" dirty="0"/>
@@ -1626,7 +1542,7 @@
         </a:bodyPr>
         <a:lstStyle/>
         <a:p>
-          <a:pPr lvl="0" algn="l" defTabSz="1377950">
+          <a:pPr marL="0" lvl="0" indent="0" algn="l" defTabSz="1377950">
             <a:lnSpc>
               <a:spcPct val="90000"/>
             </a:lnSpc>
@@ -1636,9 +1552,10 @@
             <a:spcAft>
               <a:spcPct val="35000"/>
             </a:spcAft>
+            <a:buNone/>
           </a:pPr>
           <a:r>
-            <a:rPr lang="en-US" sz="3100" kern="1200" dirty="0" err="1" smtClean="0"/>
+            <a:rPr lang="en-US" sz="3100" kern="1200" dirty="0" err="1"/>
             <a:t>Projektmanagement</a:t>
           </a:r>
           <a:endParaRPr lang="en-US" sz="3100" kern="1200" dirty="0"/>
@@ -1737,7 +1654,7 @@
         </a:bodyPr>
         <a:lstStyle/>
         <a:p>
-          <a:pPr lvl="0" algn="l" defTabSz="1377950">
+          <a:pPr marL="0" lvl="0" indent="0" algn="l" defTabSz="1377950">
             <a:lnSpc>
               <a:spcPct val="90000"/>
             </a:lnSpc>
@@ -1747,9 +1664,10 @@
             <a:spcAft>
               <a:spcPct val="35000"/>
             </a:spcAft>
+            <a:buNone/>
           </a:pPr>
           <a:r>
-            <a:rPr lang="en-US" sz="3100" kern="1200" dirty="0" err="1" smtClean="0"/>
+            <a:rPr lang="en-US" sz="3100" kern="1200" dirty="0" err="1"/>
             <a:t>Funktionen</a:t>
           </a:r>
           <a:endParaRPr lang="en-US" sz="3100" kern="1200" dirty="0"/>
@@ -1848,7 +1766,7 @@
         </a:bodyPr>
         <a:lstStyle/>
         <a:p>
-          <a:pPr lvl="0" algn="l" defTabSz="1377950">
+          <a:pPr marL="0" lvl="0" indent="0" algn="l" defTabSz="1377950">
             <a:lnSpc>
               <a:spcPct val="90000"/>
             </a:lnSpc>
@@ -1858,12 +1776,12 @@
             <a:spcAft>
               <a:spcPct val="35000"/>
             </a:spcAft>
+            <a:buNone/>
           </a:pPr>
           <a:r>
-            <a:rPr lang="en-US" sz="3100" kern="1200" dirty="0" smtClean="0"/>
+            <a:rPr lang="en-US" sz="3100" kern="1200" dirty="0"/>
             <a:t>Live Demo</a:t>
           </a:r>
-          <a:endParaRPr lang="en-US" sz="3100" kern="1200" dirty="0"/>
         </a:p>
       </dsp:txBody>
       <dsp:txXfrm>
@@ -1959,7 +1877,7 @@
         </a:bodyPr>
         <a:lstStyle/>
         <a:p>
-          <a:pPr lvl="0" algn="l" defTabSz="1377950">
+          <a:pPr marL="0" lvl="0" indent="0" algn="l" defTabSz="1377950">
             <a:lnSpc>
               <a:spcPct val="90000"/>
             </a:lnSpc>
@@ -1969,12 +1887,13 @@
             <a:spcAft>
               <a:spcPct val="35000"/>
             </a:spcAft>
+            <a:buNone/>
           </a:pPr>
           <a:r>
-            <a:rPr lang="en-US" sz="3100" kern="1200" dirty="0" err="1" smtClean="0"/>
+            <a:rPr lang="en-US" sz="3100" kern="1200" dirty="0" err="1"/>
             <a:t>Fazit</a:t>
           </a:r>
-          <a:endParaRPr lang="en-US" sz="3100" kern="1200" dirty="0" smtClean="0"/>
+          <a:endParaRPr lang="en-US" sz="3100" kern="1200" dirty="0"/>
         </a:p>
       </dsp:txBody>
       <dsp:txXfrm>
@@ -4487,35 +4406,35 @@
           <a:p>
             <a:pPr lvl="0"/>
             <a:r>
-              <a:rPr lang="de-DE" smtClean="0"/>
+              <a:rPr lang="de-DE"/>
               <a:t>Textmasterformat bearbeiten</a:t>
             </a:r>
           </a:p>
           <a:p>
             <a:pPr lvl="1"/>
             <a:r>
-              <a:rPr lang="de-DE" smtClean="0"/>
+              <a:rPr lang="de-DE"/>
               <a:t>Zweite Ebene</a:t>
             </a:r>
           </a:p>
           <a:p>
             <a:pPr lvl="2"/>
             <a:r>
-              <a:rPr lang="de-DE" smtClean="0"/>
+              <a:rPr lang="de-DE"/>
               <a:t>Dritte Ebene</a:t>
             </a:r>
           </a:p>
           <a:p>
             <a:pPr lvl="3"/>
             <a:r>
-              <a:rPr lang="de-DE" smtClean="0"/>
+              <a:rPr lang="de-DE"/>
               <a:t>Vierte Ebene</a:t>
             </a:r>
           </a:p>
           <a:p>
             <a:pPr lvl="4"/>
             <a:r>
-              <a:rPr lang="de-DE" smtClean="0"/>
+              <a:rPr lang="de-DE"/>
               <a:t>Fünfte Ebene</a:t>
             </a:r>
             <a:endParaRPr lang="en-US"/>
@@ -4718,13 +4637,6 @@
   <p:clrMapOvr>
     <a:masterClrMapping/>
   </p:clrMapOvr>
-  <p:timing>
-    <p:tnLst>
-      <p:par>
-        <p:cTn id="1" dur="indefinite" restart="never" nodeType="tmRoot"/>
-      </p:par>
-    </p:tnLst>
-  </p:timing>
 </p:sldLayout>
 </file>
 
@@ -4780,7 +4692,7 @@
           </a:lstStyle>
           <a:p>
             <a:r>
-              <a:rPr lang="de-DE" dirty="0" smtClean="0"/>
+              <a:rPr lang="de-DE" dirty="0"/>
               <a:t>Titel</a:t>
             </a:r>
             <a:endParaRPr lang="en-US" dirty="0"/>
@@ -4810,7 +4722,7 @@
           <a:lstStyle/>
           <a:p>
             <a:r>
-              <a:rPr lang="en-US" dirty="0" smtClean="0">
+              <a:rPr lang="en-US" dirty="0">
                 <a:solidFill>
                   <a:schemeClr val="tx1"/>
                 </a:solidFill>
@@ -4818,7 +4730,7 @@
               <a:t>Alina </a:t>
             </a:r>
             <a:r>
-              <a:rPr lang="en-US" dirty="0" err="1" smtClean="0">
+              <a:rPr lang="en-US" dirty="0" err="1">
                 <a:solidFill>
                   <a:schemeClr val="tx1"/>
                 </a:solidFill>
@@ -4826,7 +4738,7 @@
               <a:t>Fankhänel</a:t>
             </a:r>
             <a:r>
-              <a:rPr lang="en-US" dirty="0" smtClean="0">
+              <a:rPr lang="en-US" dirty="0">
                 <a:solidFill>
                   <a:schemeClr val="tx1"/>
                 </a:solidFill>
@@ -4834,7 +4746,7 @@
               <a:t>, Nicola </a:t>
             </a:r>
             <a:r>
-              <a:rPr lang="en-US" dirty="0" err="1" smtClean="0">
+              <a:rPr lang="en-US" dirty="0" err="1">
                 <a:solidFill>
                   <a:schemeClr val="tx1"/>
                 </a:solidFill>
@@ -4842,7 +4754,7 @@
               <a:t>Kloke</a:t>
             </a:r>
             <a:r>
-              <a:rPr lang="en-US" dirty="0" smtClean="0">
+              <a:rPr lang="en-US" dirty="0">
                 <a:solidFill>
                   <a:schemeClr val="tx1"/>
                 </a:solidFill>
@@ -4850,7 +4762,7 @@
               <a:t> und </a:t>
             </a:r>
             <a:r>
-              <a:rPr lang="en-US" dirty="0" err="1" smtClean="0">
+              <a:rPr lang="en-US" dirty="0" err="1">
                 <a:solidFill>
                   <a:schemeClr val="tx1"/>
                 </a:solidFill>
@@ -4858,7 +4770,7 @@
               <a:t>Timo</a:t>
             </a:r>
             <a:r>
-              <a:rPr lang="en-US" dirty="0" smtClean="0">
+              <a:rPr lang="en-US" dirty="0">
                 <a:solidFill>
                   <a:schemeClr val="tx1"/>
                 </a:solidFill>
@@ -4912,18 +4824,13 @@
               <a:t>‹Nr.›</a:t>
             </a:fld>
             <a:r>
-              <a:rPr lang="en-US" dirty="0" smtClean="0">
+              <a:rPr lang="en-US" dirty="0">
                 <a:solidFill>
                   <a:srgbClr val="990000"/>
                 </a:solidFill>
               </a:rPr>
               <a:t>/14</a:t>
             </a:r>
-            <a:endParaRPr lang="en-US" dirty="0">
-              <a:solidFill>
-                <a:srgbClr val="990000"/>
-              </a:solidFill>
-            </a:endParaRPr>
           </a:p>
         </p:txBody>
       </p:sp>
@@ -4937,13 +4844,6 @@
   <p:clrMapOvr>
     <a:masterClrMapping/>
   </p:clrMapOvr>
-  <p:timing>
-    <p:tnLst>
-      <p:par>
-        <p:cTn id="1" dur="indefinite" restart="never" nodeType="tmRoot"/>
-      </p:par>
-    </p:tnLst>
-  </p:timing>
 </p:sldLayout>
 </file>
 
@@ -4992,7 +4892,7 @@
           </a:lstStyle>
           <a:p>
             <a:r>
-              <a:rPr lang="de-DE" dirty="0" smtClean="0"/>
+              <a:rPr lang="de-DE" dirty="0"/>
               <a:t>Titel</a:t>
             </a:r>
             <a:endParaRPr lang="en-US" dirty="0"/>
@@ -5022,11 +4922,11 @@
           <a:lstStyle/>
           <a:p>
             <a:r>
-              <a:rPr lang="en-US" dirty="0" smtClean="0"/>
+              <a:rPr lang="en-US" dirty="0"/>
               <a:t>Timo Schlüter, </a:t>
             </a:r>
             <a:r>
-              <a:rPr lang="de-DE" dirty="0" smtClean="0"/>
+              <a:rPr lang="de-DE" dirty="0"/>
               <a:t>31.01.2015</a:t>
             </a:r>
             <a:endParaRPr lang="en-US" dirty="0"/>
@@ -5060,10 +4960,9 @@
               <a:t>‹Nr.›</a:t>
             </a:fld>
             <a:r>
-              <a:rPr lang="en-US" dirty="0" smtClean="0"/>
+              <a:rPr lang="en-US" dirty="0"/>
               <a:t>/5</a:t>
             </a:r>
-            <a:endParaRPr lang="en-US" dirty="0"/>
           </a:p>
         </p:txBody>
       </p:sp>
@@ -5077,13 +4976,6 @@
   <p:clrMapOvr>
     <a:masterClrMapping/>
   </p:clrMapOvr>
-  <p:timing>
-    <p:tnLst>
-      <p:par>
-        <p:cTn id="1" dur="indefinite" restart="never" nodeType="tmRoot"/>
-      </p:par>
-    </p:tnLst>
-  </p:timing>
 </p:sldLayout>
 </file>
 
@@ -5120,13 +5012,6 @@
   <p:sldLayoutIdLst>
     <p:sldLayoutId id="2147483649" r:id="rId1"/>
   </p:sldLayoutIdLst>
-  <p:timing>
-    <p:tnLst>
-      <p:par>
-        <p:cTn id="1" dur="indefinite" restart="never" nodeType="tmRoot"/>
-      </p:par>
-    </p:tnLst>
-  </p:timing>
   <p:hf hdr="0" ftr="0"/>
   <p:txStyles>
     <p:titleStyle>
@@ -5628,13 +5513,6 @@
     <p:sldLayoutId id="2147483651" r:id="rId1"/>
     <p:sldLayoutId id="2147483652" r:id="rId2"/>
   </p:sldLayoutIdLst>
-  <p:timing>
-    <p:tnLst>
-      <p:par>
-        <p:cTn id="1" dur="indefinite" restart="never" nodeType="tmRoot"/>
-      </p:par>
-    </p:tnLst>
-  </p:timing>
   <p:hf hdr="0" ftr="0"/>
   <p:txStyles>
     <p:titleStyle>
@@ -5968,56 +5846,43 @@
           <a:p>
             <a:pPr algn="ctr"/>
             <a:r>
-              <a:rPr lang="de-DE" sz="6000" dirty="0" smtClean="0"/>
+              <a:rPr lang="de-DE" sz="6000" dirty="0"/>
               <a:t>Abschlusspräsentation</a:t>
             </a:r>
           </a:p>
           <a:p>
             <a:pPr algn="ctr"/>
             <a:r>
-              <a:rPr lang="de-DE" sz="4500" dirty="0" smtClean="0"/>
-              <a:t>Projekte der </a:t>
-            </a:r>
-            <a:r>
-              <a:rPr lang="de-DE" sz="4500" dirty="0" smtClean="0"/>
-              <a:t>Wirtschaftsinformatik</a:t>
+              <a:rPr lang="de-DE" sz="4500" dirty="0"/>
+              <a:t>Projekte der Wirtschaftsinformatik</a:t>
             </a:r>
           </a:p>
           <a:p>
             <a:pPr algn="ctr"/>
-            <a:endParaRPr lang="de-DE" sz="4500" dirty="0" smtClean="0"/>
+            <a:endParaRPr lang="de-DE" sz="4500" dirty="0"/>
           </a:p>
           <a:p>
             <a:pPr algn="ctr"/>
             <a:r>
-              <a:rPr lang="de-DE" sz="3000" dirty="0" smtClean="0"/>
+              <a:rPr lang="de-DE" sz="3000" dirty="0"/>
               <a:t>Alina </a:t>
             </a:r>
             <a:r>
-              <a:rPr lang="de-DE" sz="3000" dirty="0" err="1" smtClean="0"/>
+              <a:rPr lang="de-DE" sz="3000" dirty="0" err="1"/>
               <a:t>Fankhänel</a:t>
             </a:r>
             <a:r>
-              <a:rPr lang="de-DE" sz="3000" dirty="0" smtClean="0"/>
+              <a:rPr lang="de-DE" sz="3000" dirty="0"/>
               <a:t>, Nicola </a:t>
             </a:r>
             <a:r>
-              <a:rPr lang="de-DE" sz="3000" dirty="0" err="1" smtClean="0"/>
+              <a:rPr lang="de-DE" sz="3000" dirty="0" err="1"/>
               <a:t>Kloke</a:t>
             </a:r>
             <a:r>
-              <a:rPr lang="de-DE" sz="3000" dirty="0" smtClean="0"/>
-              <a:t> </a:t>
-            </a:r>
-            <a:r>
-              <a:rPr lang="de-DE" sz="3000" dirty="0" smtClean="0"/>
-              <a:t>und Timo </a:t>
-            </a:r>
-            <a:r>
-              <a:rPr lang="de-DE" sz="3000" dirty="0" smtClean="0"/>
-              <a:t>Schlüter</a:t>
-            </a:r>
-            <a:endParaRPr lang="de-DE" sz="3000" dirty="0"/>
+              <a:rPr lang="de-DE" sz="3000" dirty="0"/>
+              <a:t> und Timo Schlüter</a:t>
+            </a:r>
           </a:p>
         </p:txBody>
       </p:sp>
@@ -6098,13 +5963,6 @@
   <p:clrMapOvr>
     <a:masterClrMapping/>
   </p:clrMapOvr>
-  <p:timing>
-    <p:tnLst>
-      <p:par>
-        <p:cTn id="1" dur="indefinite" restart="never" nodeType="tmRoot"/>
-      </p:par>
-    </p:tnLst>
-  </p:timing>
 </p:sld>
 </file>
 
@@ -6141,18 +5999,13 @@
           <a:lstStyle/>
           <a:p>
             <a:r>
-              <a:rPr lang="en-US" dirty="0" smtClean="0">
+              <a:rPr lang="en-US" dirty="0">
                 <a:solidFill>
                   <a:schemeClr val="tx1"/>
                 </a:solidFill>
               </a:rPr>
               <a:t>Live Demo</a:t>
             </a:r>
-            <a:endParaRPr lang="en-US" dirty="0">
-              <a:solidFill>
-                <a:schemeClr val="tx1"/>
-              </a:solidFill>
-            </a:endParaRPr>
           </a:p>
         </p:txBody>
       </p:sp>
@@ -6457,13 +6310,6 @@
   <p:clrMapOvr>
     <a:masterClrMapping/>
   </p:clrMapOvr>
-  <p:timing>
-    <p:tnLst>
-      <p:par>
-        <p:cTn id="1" dur="indefinite" restart="never" nodeType="tmRoot"/>
-      </p:par>
-    </p:tnLst>
-  </p:timing>
 </p:sld>
 </file>
 
@@ -6500,7 +6346,7 @@
           <a:lstStyle/>
           <a:p>
             <a:r>
-              <a:rPr lang="en-US" dirty="0" err="1" smtClean="0">
+              <a:rPr lang="en-US" dirty="0" err="1">
                 <a:solidFill>
                   <a:schemeClr val="tx1"/>
                 </a:solidFill>
@@ -6508,7 +6354,7 @@
               <a:t>Erfüllung</a:t>
             </a:r>
             <a:r>
-              <a:rPr lang="en-US" dirty="0" smtClean="0">
+              <a:rPr lang="en-US" dirty="0">
                 <a:solidFill>
                   <a:schemeClr val="tx1"/>
                 </a:solidFill>
@@ -6516,7 +6362,7 @@
               <a:t> der </a:t>
             </a:r>
             <a:r>
-              <a:rPr lang="en-US" dirty="0" err="1" smtClean="0">
+              <a:rPr lang="en-US" dirty="0" err="1">
                 <a:solidFill>
                   <a:schemeClr val="tx1"/>
                 </a:solidFill>
@@ -6807,7 +6653,7 @@
         <p:spPr>
           <a:xfrm>
             <a:off x="653216" y="1592532"/>
-            <a:ext cx="10493005" cy="2693045"/>
+            <a:ext cx="10493005" cy="2385268"/>
           </a:xfrm>
           <a:prstGeom prst="rect">
             <a:avLst/>
@@ -6830,7 +6676,7 @@
               <a:buChar char="•"/>
             </a:pPr>
             <a:r>
-              <a:rPr lang="de-DE" sz="2000" dirty="0" smtClean="0">
+              <a:rPr lang="de-DE" sz="2000" dirty="0">
                 <a:latin typeface="Calibri" panose="020F0502020204030204" pitchFamily="34" charset="0"/>
                 <a:ea typeface="Calibri" panose="020F0502020204030204" pitchFamily="34" charset="0"/>
                 <a:cs typeface="Calibri" panose="020F0502020204030204" pitchFamily="34" charset="0"/>
@@ -6850,7 +6696,7 @@
               <a:buChar char="•"/>
             </a:pPr>
             <a:r>
-              <a:rPr lang="de-DE" sz="2000" dirty="0" smtClean="0">
+              <a:rPr lang="de-DE" sz="2000" dirty="0">
                 <a:latin typeface="Calibri" panose="020F0502020204030204" pitchFamily="34" charset="0"/>
                 <a:ea typeface="Calibri" panose="020F0502020204030204" pitchFamily="34" charset="0"/>
                 <a:cs typeface="Calibri" panose="020F0502020204030204" pitchFamily="34" charset="0"/>
@@ -6875,7 +6721,7 @@
             </a:pPr>
             <a:r>
               <a:rPr lang="de-DE" sz="2000" dirty="0"/>
-              <a:t>Kennwortrichtlinien festlegen und prüfen Verwaltung der Kundenbestellungen aus Administratorsicht</a:t>
+              <a:t>Kennwortrichtlinien festlegen und prüfen</a:t>
             </a:r>
           </a:p>
           <a:p>
@@ -6927,13 +6773,6 @@
   <p:clrMapOvr>
     <a:masterClrMapping/>
   </p:clrMapOvr>
-  <p:timing>
-    <p:tnLst>
-      <p:par>
-        <p:cTn id="1" dur="indefinite" restart="never" nodeType="tmRoot"/>
-      </p:par>
-    </p:tnLst>
-  </p:timing>
 </p:sld>
 </file>
 
@@ -7264,7 +7103,7 @@
           </a:lstStyle>
           <a:p>
             <a:r>
-              <a:rPr lang="en-US" dirty="0" smtClean="0">
+              <a:rPr lang="en-US" dirty="0">
                 <a:solidFill>
                   <a:schemeClr val="tx1"/>
                 </a:solidFill>
@@ -7272,7 +7111,7 @@
               <a:t>Soll-</a:t>
             </a:r>
             <a:r>
-              <a:rPr lang="en-US" dirty="0" err="1" smtClean="0">
+              <a:rPr lang="en-US" dirty="0" err="1">
                 <a:solidFill>
                   <a:schemeClr val="tx1"/>
                 </a:solidFill>
@@ -7280,7 +7119,7 @@
               <a:t>Ist</a:t>
             </a:r>
             <a:r>
-              <a:rPr lang="en-US" dirty="0" smtClean="0">
+              <a:rPr lang="en-US" dirty="0">
                 <a:solidFill>
                   <a:schemeClr val="tx1"/>
                 </a:solidFill>
@@ -7288,7 +7127,7 @@
               <a:t>-</a:t>
             </a:r>
             <a:r>
-              <a:rPr lang="en-US" dirty="0" err="1" smtClean="0">
+              <a:rPr lang="en-US" dirty="0" err="1">
                 <a:solidFill>
                   <a:schemeClr val="tx1"/>
                 </a:solidFill>
@@ -7312,14 +7151,14 @@
           <p:nvPr>
             <p:extLst>
               <p:ext uri="{D42A27DB-BD31-4B8C-83A1-F6EECF244321}">
-                <p14:modId xmlns:p14="http://schemas.microsoft.com/office/powerpoint/2010/main" val="843691825"/>
+                <p14:modId xmlns:p14="http://schemas.microsoft.com/office/powerpoint/2010/main" val="1856832522"/>
               </p:ext>
             </p:extLst>
           </p:nvPr>
         </p:nvGraphicFramePr>
         <p:xfrm>
-          <a:off x="1606359" y="1474816"/>
-          <a:ext cx="6535709" cy="4078746"/>
+          <a:off x="2227145" y="1586082"/>
+          <a:ext cx="6535709" cy="3992880"/>
         </p:xfrm>
         <a:graphic>
           <a:graphicData uri="http://schemas.openxmlformats.org/drawingml/2006/table">
@@ -7328,35 +7167,44 @@
                 <a:tableStyleId>{073A0DAA-6AF3-43AB-8588-CEC1D06C72B9}</a:tableStyleId>
               </a:tblPr>
               <a:tblGrid>
-                <a:gridCol w="4046276"/>
-                <a:gridCol w="795546"/>
-                <a:gridCol w="731351"/>
-                <a:gridCol w="962536"/>
+                <a:gridCol w="4046276">
+                  <a:extLst>
+                    <a:ext uri="{9D8B030D-6E8A-4147-A177-3AD203B41FA5}">
+                      <a16:colId xmlns:a16="http://schemas.microsoft.com/office/drawing/2014/main" val="20000"/>
+                    </a:ext>
+                  </a:extLst>
+                </a:gridCol>
+                <a:gridCol w="795546">
+                  <a:extLst>
+                    <a:ext uri="{9D8B030D-6E8A-4147-A177-3AD203B41FA5}">
+                      <a16:colId xmlns:a16="http://schemas.microsoft.com/office/drawing/2014/main" val="20001"/>
+                    </a:ext>
+                  </a:extLst>
+                </a:gridCol>
+                <a:gridCol w="731351">
+                  <a:extLst>
+                    <a:ext uri="{9D8B030D-6E8A-4147-A177-3AD203B41FA5}">
+                      <a16:colId xmlns:a16="http://schemas.microsoft.com/office/drawing/2014/main" val="20002"/>
+                    </a:ext>
+                  </a:extLst>
+                </a:gridCol>
+                <a:gridCol w="962536">
+                  <a:extLst>
+                    <a:ext uri="{9D8B030D-6E8A-4147-A177-3AD203B41FA5}">
+                      <a16:colId xmlns:a16="http://schemas.microsoft.com/office/drawing/2014/main" val="20003"/>
+                    </a:ext>
+                  </a:extLst>
+                </a:gridCol>
               </a:tblGrid>
-              <a:tr h="370840">
+              <a:tr h="238014">
                 <a:tc>
                   <a:txBody>
                     <a:bodyPr/>
                     <a:lstStyle/>
                     <a:p>
                       <a:r>
-                        <a:rPr lang="de-DE" sz="1800" dirty="0" smtClean="0"/>
+                        <a:rPr lang="de-DE" sz="1600" dirty="0"/>
                         <a:t>Phase</a:t>
-                      </a:r>
-                      <a:endParaRPr lang="de-DE" sz="2000" dirty="0"/>
-                    </a:p>
-                  </a:txBody>
-                  <a:tcPr/>
-                </a:tc>
-                <a:tc>
-                  <a:txBody>
-                    <a:bodyPr/>
-                    <a:lstStyle/>
-                    <a:p>
-                      <a:pPr algn="l"/>
-                      <a:r>
-                        <a:rPr lang="de-DE" sz="1800" dirty="0" smtClean="0"/>
-                        <a:t>Soll</a:t>
                       </a:r>
                       <a:endParaRPr lang="de-DE" sz="1800" dirty="0"/>
                     </a:p>
@@ -7370,14 +7218,28 @@
                     <a:p>
                       <a:pPr algn="l"/>
                       <a:r>
-                        <a:rPr lang="de-DE" sz="1800" dirty="0" smtClean="0"/>
+                        <a:rPr lang="de-DE" sz="1600" dirty="0"/>
+                        <a:t>Soll</a:t>
+                      </a:r>
+                    </a:p>
+                  </a:txBody>
+                  <a:tcPr/>
+                </a:tc>
+                <a:tc>
+                  <a:txBody>
+                    <a:bodyPr/>
+                    <a:lstStyle/>
+                    <a:p>
+                      <a:pPr algn="l"/>
+                      <a:r>
+                        <a:rPr lang="de-DE" sz="1600" dirty="0"/>
                         <a:t>Ist</a:t>
                       </a:r>
                       <a:r>
-                        <a:rPr lang="de-DE" sz="1800" baseline="0" dirty="0" smtClean="0"/>
+                        <a:rPr lang="de-DE" sz="1600" baseline="0" dirty="0"/>
                         <a:t> </a:t>
                       </a:r>
-                      <a:endParaRPr lang="de-DE" sz="2000" dirty="0"/>
+                      <a:endParaRPr lang="de-DE" sz="1800" dirty="0"/>
                     </a:p>
                   </a:txBody>
                   <a:tcPr/>
@@ -7388,26 +7250,30 @@
                     <a:lstStyle/>
                     <a:p>
                       <a:r>
-                        <a:rPr lang="de-DE" sz="1800" dirty="0" smtClean="0"/>
+                        <a:rPr lang="de-DE" sz="1600" dirty="0"/>
                         <a:t>Saldo</a:t>
                       </a:r>
-                      <a:endParaRPr lang="de-DE" sz="2000" dirty="0"/>
+                      <a:endParaRPr lang="de-DE" sz="1800" dirty="0"/>
                     </a:p>
                   </a:txBody>
                   <a:tcPr/>
                 </a:tc>
+                <a:extLst>
+                  <a:ext uri="{0D108BD9-81ED-4DB2-BD59-A6C34878D82A}">
+                    <a16:rowId xmlns:a16="http://schemas.microsoft.com/office/drawing/2014/main" val="10000"/>
+                  </a:ext>
+                </a:extLst>
               </a:tr>
-              <a:tr h="370840">
+              <a:tr h="257848">
                 <a:tc>
                   <a:txBody>
                     <a:bodyPr/>
                     <a:lstStyle/>
                     <a:p>
                       <a:r>
-                        <a:rPr lang="de-DE" sz="2000" dirty="0" smtClean="0"/>
+                        <a:rPr lang="de-DE" sz="1800" dirty="0"/>
                         <a:t>Projektinitialisierung</a:t>
                       </a:r>
-                      <a:endParaRPr lang="de-DE" sz="2000" dirty="0"/>
                     </a:p>
                   </a:txBody>
                   <a:tcPr/>
@@ -7419,10 +7285,9 @@
                     <a:p>
                       <a:pPr algn="r"/>
                       <a:r>
-                        <a:rPr lang="de-DE" sz="2000" dirty="0" smtClean="0"/>
+                        <a:rPr lang="de-DE" sz="1800" dirty="0"/>
                         <a:t>3</a:t>
                       </a:r>
-                      <a:endParaRPr lang="de-DE" sz="2000" dirty="0"/>
                     </a:p>
                   </a:txBody>
                   <a:tcPr/>
@@ -7434,10 +7299,9 @@
                     <a:p>
                       <a:pPr algn="r"/>
                       <a:r>
-                        <a:rPr lang="de-DE" sz="2000" dirty="0" smtClean="0"/>
+                        <a:rPr lang="de-DE" sz="1800" dirty="0"/>
                         <a:t>3</a:t>
                       </a:r>
-                      <a:endParaRPr lang="de-DE" sz="2000" dirty="0"/>
                     </a:p>
                   </a:txBody>
                   <a:tcPr/>
@@ -7449,25 +7313,29 @@
                     <a:p>
                       <a:pPr algn="r"/>
                       <a:r>
-                        <a:rPr lang="de-DE" sz="2000" dirty="0" smtClean="0"/>
+                        <a:rPr lang="de-DE" sz="1800" dirty="0"/>
                         <a:t>0</a:t>
                       </a:r>
                     </a:p>
                   </a:txBody>
                   <a:tcPr/>
                 </a:tc>
+                <a:extLst>
+                  <a:ext uri="{0D108BD9-81ED-4DB2-BD59-A6C34878D82A}">
+                    <a16:rowId xmlns:a16="http://schemas.microsoft.com/office/drawing/2014/main" val="10001"/>
+                  </a:ext>
+                </a:extLst>
               </a:tr>
-              <a:tr h="370840">
+              <a:tr h="257848">
                 <a:tc>
                   <a:txBody>
                     <a:bodyPr/>
                     <a:lstStyle/>
                     <a:p>
                       <a:r>
-                        <a:rPr lang="de-DE" sz="2000" dirty="0" smtClean="0"/>
+                        <a:rPr lang="de-DE" sz="1800" dirty="0"/>
                         <a:t>Konzeption</a:t>
                       </a:r>
-                      <a:endParaRPr lang="de-DE" sz="2000" dirty="0"/>
                     </a:p>
                   </a:txBody>
                   <a:tcPr/>
@@ -7479,10 +7347,9 @@
                     <a:p>
                       <a:pPr algn="r"/>
                       <a:r>
-                        <a:rPr lang="de-DE" sz="2000" dirty="0" smtClean="0"/>
+                        <a:rPr lang="de-DE" sz="1800" dirty="0"/>
                         <a:t>22</a:t>
                       </a:r>
-                      <a:endParaRPr lang="de-DE" sz="2000" dirty="0"/>
                     </a:p>
                   </a:txBody>
                   <a:tcPr/>
@@ -7494,10 +7361,9 @@
                     <a:p>
                       <a:pPr algn="r"/>
                       <a:r>
-                        <a:rPr lang="de-DE" sz="2000" dirty="0" smtClean="0"/>
+                        <a:rPr lang="de-DE" sz="1800" dirty="0"/>
                         <a:t>22</a:t>
                       </a:r>
-                      <a:endParaRPr lang="de-DE" sz="2000" dirty="0"/>
                     </a:p>
                   </a:txBody>
                   <a:tcPr/>
@@ -7509,26 +7375,29 @@
                     <a:p>
                       <a:pPr algn="r"/>
                       <a:r>
-                        <a:rPr lang="de-DE" sz="2000" dirty="0" smtClean="0"/>
+                        <a:rPr lang="de-DE" sz="1800" dirty="0"/>
                         <a:t>0</a:t>
                       </a:r>
-                      <a:endParaRPr lang="de-DE" sz="2000" dirty="0"/>
                     </a:p>
                   </a:txBody>
                   <a:tcPr/>
                 </a:tc>
+                <a:extLst>
+                  <a:ext uri="{0D108BD9-81ED-4DB2-BD59-A6C34878D82A}">
+                    <a16:rowId xmlns:a16="http://schemas.microsoft.com/office/drawing/2014/main" val="10002"/>
+                  </a:ext>
+                </a:extLst>
               </a:tr>
-              <a:tr h="537986">
+              <a:tr h="257848">
                 <a:tc>
                   <a:txBody>
                     <a:bodyPr/>
                     <a:lstStyle/>
                     <a:p>
                       <a:r>
-                        <a:rPr lang="de-DE" sz="2000" dirty="0" smtClean="0"/>
+                        <a:rPr lang="de-DE" sz="1800" dirty="0"/>
                         <a:t>Design</a:t>
                       </a:r>
-                      <a:endParaRPr lang="de-DE" sz="2000" dirty="0"/>
                     </a:p>
                   </a:txBody>
                   <a:tcPr/>
@@ -7540,10 +7409,9 @@
                     <a:p>
                       <a:pPr algn="r"/>
                       <a:r>
-                        <a:rPr lang="de-DE" sz="2000" dirty="0" smtClean="0"/>
+                        <a:rPr lang="de-DE" sz="1800" dirty="0"/>
                         <a:t>53</a:t>
                       </a:r>
-                      <a:endParaRPr lang="de-DE" sz="2000" dirty="0"/>
                     </a:p>
                   </a:txBody>
                   <a:tcPr/>
@@ -7555,10 +7423,9 @@
                     <a:p>
                       <a:pPr algn="r"/>
                       <a:r>
-                        <a:rPr lang="de-DE" sz="2000" dirty="0" smtClean="0"/>
+                        <a:rPr lang="de-DE" sz="1800" dirty="0"/>
                         <a:t>54</a:t>
                       </a:r>
-                      <a:endParaRPr lang="de-DE" sz="2000" dirty="0"/>
                     </a:p>
                   </a:txBody>
                   <a:tcPr/>
@@ -7570,34 +7437,33 @@
                     <a:p>
                       <a:pPr algn="r"/>
                       <a:r>
-                        <a:rPr lang="de-DE" sz="2000" dirty="0" smtClean="0">
+                        <a:rPr lang="de-DE" sz="1800" dirty="0">
                           <a:solidFill>
                             <a:srgbClr val="FF0000"/>
                           </a:solidFill>
                         </a:rPr>
                         <a:t>+1</a:t>
                       </a:r>
-                      <a:endParaRPr lang="de-DE" sz="2000" dirty="0">
-                        <a:solidFill>
-                          <a:srgbClr val="FF0000"/>
-                        </a:solidFill>
-                      </a:endParaRPr>
                     </a:p>
                   </a:txBody>
                   <a:tcPr/>
                 </a:tc>
+                <a:extLst>
+                  <a:ext uri="{0D108BD9-81ED-4DB2-BD59-A6C34878D82A}">
+                    <a16:rowId xmlns:a16="http://schemas.microsoft.com/office/drawing/2014/main" val="10003"/>
+                  </a:ext>
+                </a:extLst>
               </a:tr>
-              <a:tr h="370840">
+              <a:tr h="257848">
                 <a:tc>
                   <a:txBody>
                     <a:bodyPr/>
                     <a:lstStyle/>
                     <a:p>
                       <a:r>
-                        <a:rPr lang="de-DE" sz="2000" dirty="0" smtClean="0"/>
+                        <a:rPr lang="de-DE" sz="1800" dirty="0"/>
                         <a:t>Realisierung </a:t>
                       </a:r>
-                      <a:endParaRPr lang="de-DE" sz="2000" dirty="0"/>
                     </a:p>
                   </a:txBody>
                   <a:tcPr/>
@@ -7609,10 +7475,9 @@
                     <a:p>
                       <a:pPr algn="r"/>
                       <a:r>
-                        <a:rPr lang="de-DE" sz="2000" dirty="0" smtClean="0"/>
+                        <a:rPr lang="de-DE" sz="1800" dirty="0"/>
                         <a:t>176</a:t>
                       </a:r>
-                      <a:endParaRPr lang="de-DE" sz="2000" dirty="0"/>
                     </a:p>
                   </a:txBody>
                   <a:tcPr/>
@@ -7624,10 +7489,9 @@
                     <a:p>
                       <a:pPr algn="r"/>
                       <a:r>
-                        <a:rPr lang="de-DE" sz="2000" dirty="0" smtClean="0"/>
+                        <a:rPr lang="de-DE" sz="1800" dirty="0"/>
                         <a:t>195</a:t>
                       </a:r>
-                      <a:endParaRPr lang="de-DE" sz="2000" dirty="0"/>
                     </a:p>
                   </a:txBody>
                   <a:tcPr/>
@@ -7639,34 +7503,33 @@
                     <a:p>
                       <a:pPr algn="r"/>
                       <a:r>
-                        <a:rPr lang="de-DE" sz="2000" dirty="0" smtClean="0">
+                        <a:rPr lang="de-DE" sz="1800" dirty="0">
                           <a:solidFill>
                             <a:srgbClr val="FF0000"/>
                           </a:solidFill>
                         </a:rPr>
                         <a:t>+19</a:t>
                       </a:r>
-                      <a:endParaRPr lang="de-DE" sz="2000" dirty="0">
-                        <a:solidFill>
-                          <a:srgbClr val="FF0000"/>
-                        </a:solidFill>
-                      </a:endParaRPr>
                     </a:p>
                   </a:txBody>
                   <a:tcPr/>
                 </a:tc>
+                <a:extLst>
+                  <a:ext uri="{0D108BD9-81ED-4DB2-BD59-A6C34878D82A}">
+                    <a16:rowId xmlns:a16="http://schemas.microsoft.com/office/drawing/2014/main" val="10004"/>
+                  </a:ext>
+                </a:extLst>
               </a:tr>
-              <a:tr h="370840">
+              <a:tr h="257848">
                 <a:tc>
                   <a:txBody>
                     <a:bodyPr/>
                     <a:lstStyle/>
                     <a:p>
                       <a:r>
-                        <a:rPr lang="de-DE" sz="2000" dirty="0" smtClean="0"/>
+                        <a:rPr lang="de-DE" sz="1800" dirty="0"/>
                         <a:t>Test</a:t>
                       </a:r>
-                      <a:endParaRPr lang="de-DE" sz="2000" dirty="0"/>
                     </a:p>
                   </a:txBody>
                   <a:tcPr/>
@@ -7678,10 +7541,9 @@
                     <a:p>
                       <a:pPr algn="r"/>
                       <a:r>
-                        <a:rPr lang="de-DE" sz="2000" dirty="0" smtClean="0"/>
+                        <a:rPr lang="de-DE" sz="1800" dirty="0"/>
                         <a:t>33</a:t>
                       </a:r>
-                      <a:endParaRPr lang="de-DE" sz="2000" dirty="0"/>
                     </a:p>
                   </a:txBody>
                   <a:tcPr/>
@@ -7693,10 +7555,9 @@
                     <a:p>
                       <a:pPr algn="r"/>
                       <a:r>
-                        <a:rPr lang="de-DE" sz="2000" dirty="0" smtClean="0"/>
+                        <a:rPr lang="de-DE" sz="1800" dirty="0"/>
                         <a:t>25</a:t>
                       </a:r>
-                      <a:endParaRPr lang="de-DE" sz="2000" dirty="0"/>
                     </a:p>
                   </a:txBody>
                   <a:tcPr/>
@@ -7708,34 +7569,33 @@
                     <a:p>
                       <a:pPr algn="r"/>
                       <a:r>
-                        <a:rPr lang="de-DE" sz="2000" dirty="0" smtClean="0">
+                        <a:rPr lang="de-DE" sz="1800" dirty="0">
                           <a:solidFill>
                             <a:srgbClr val="00B050"/>
                           </a:solidFill>
                         </a:rPr>
                         <a:t>-8</a:t>
                       </a:r>
-                      <a:endParaRPr lang="de-DE" sz="2000" dirty="0">
-                        <a:solidFill>
-                          <a:srgbClr val="00B050"/>
-                        </a:solidFill>
-                      </a:endParaRPr>
                     </a:p>
                   </a:txBody>
                   <a:tcPr/>
                 </a:tc>
+                <a:extLst>
+                  <a:ext uri="{0D108BD9-81ED-4DB2-BD59-A6C34878D82A}">
+                    <a16:rowId xmlns:a16="http://schemas.microsoft.com/office/drawing/2014/main" val="10005"/>
+                  </a:ext>
+                </a:extLst>
               </a:tr>
-              <a:tr h="370840">
+              <a:tr h="257848">
                 <a:tc>
                   <a:txBody>
                     <a:bodyPr/>
                     <a:lstStyle/>
                     <a:p>
                       <a:r>
-                        <a:rPr lang="de-DE" sz="2000" dirty="0" smtClean="0"/>
+                        <a:rPr lang="de-DE" sz="1800" dirty="0"/>
                         <a:t>Projektleitung</a:t>
                       </a:r>
-                      <a:endParaRPr lang="de-DE" sz="2000" dirty="0"/>
                     </a:p>
                   </a:txBody>
                   <a:tcPr/>
@@ -7747,10 +7607,9 @@
                     <a:p>
                       <a:pPr algn="r"/>
                       <a:r>
-                        <a:rPr lang="de-DE" sz="2000" dirty="0" smtClean="0"/>
+                        <a:rPr lang="de-DE" sz="1800" dirty="0"/>
                         <a:t>28</a:t>
                       </a:r>
-                      <a:endParaRPr lang="de-DE" sz="2000" dirty="0"/>
                     </a:p>
                   </a:txBody>
                   <a:tcPr/>
@@ -7762,10 +7621,9 @@
                     <a:p>
                       <a:pPr algn="r"/>
                       <a:r>
-                        <a:rPr lang="de-DE" sz="2000" dirty="0" smtClean="0"/>
+                        <a:rPr lang="de-DE" sz="1800" dirty="0"/>
                         <a:t>22</a:t>
                       </a:r>
-                      <a:endParaRPr lang="de-DE" sz="2000" dirty="0"/>
                     </a:p>
                   </a:txBody>
                   <a:tcPr/>
@@ -7777,40 +7635,33 @@
                     <a:p>
                       <a:pPr algn="r"/>
                       <a:r>
-                        <a:rPr lang="de-DE" sz="2000" dirty="0" smtClean="0">
+                        <a:rPr lang="de-DE" sz="1800" dirty="0">
                           <a:solidFill>
                             <a:srgbClr val="00B050"/>
                           </a:solidFill>
                         </a:rPr>
                         <a:t>-6</a:t>
                       </a:r>
-                      <a:endParaRPr lang="de-DE" sz="2000" dirty="0">
-                        <a:solidFill>
-                          <a:srgbClr val="00B050"/>
-                        </a:solidFill>
-                      </a:endParaRPr>
                     </a:p>
                   </a:txBody>
                   <a:tcPr/>
                 </a:tc>
+                <a:extLst>
+                  <a:ext uri="{0D108BD9-81ED-4DB2-BD59-A6C34878D82A}">
+                    <a16:rowId xmlns:a16="http://schemas.microsoft.com/office/drawing/2014/main" val="10006"/>
+                  </a:ext>
+                </a:extLst>
               </a:tr>
-              <a:tr h="370840">
+              <a:tr h="257848">
                 <a:tc>
                   <a:txBody>
                     <a:bodyPr/>
                     <a:lstStyle/>
                     <a:p>
                       <a:r>
-                        <a:rPr lang="de-DE" sz="2000" b="1" i="0" dirty="0" smtClean="0">
-                          <a:sym typeface="Wingdings" panose="05000000000000000000" pitchFamily="2" charset="2"/>
-                        </a:rPr>
-                        <a:t> </a:t>
+                        <a:rPr lang="de-DE" sz="1800" dirty="0"/>
+                        <a:t>Präsentation</a:t>
                       </a:r>
-                      <a:r>
-                        <a:rPr lang="de-DE" sz="2000" b="1" i="0" dirty="0" smtClean="0"/>
-                        <a:t>Gesamt bis Präsentation</a:t>
-                      </a:r>
-                      <a:endParaRPr lang="de-DE" sz="2000" b="1" i="0" dirty="0"/>
                     </a:p>
                   </a:txBody>
                   <a:tcPr/>
@@ -7822,10 +7673,9 @@
                     <a:p>
                       <a:pPr algn="r"/>
                       <a:r>
-                        <a:rPr lang="de-DE" sz="2000" dirty="0" smtClean="0"/>
-                        <a:t>315</a:t>
+                        <a:rPr lang="de-DE" sz="1800" dirty="0"/>
+                        <a:t>15</a:t>
                       </a:r>
-                      <a:endParaRPr lang="de-DE" sz="2000" dirty="0"/>
                     </a:p>
                   </a:txBody>
                   <a:tcPr/>
@@ -7837,10 +7687,9 @@
                     <a:p>
                       <a:pPr algn="r"/>
                       <a:r>
-                        <a:rPr lang="de-DE" sz="2000" dirty="0" smtClean="0"/>
-                        <a:t>327</a:t>
+                        <a:rPr lang="de-DE" sz="1800" dirty="0"/>
+                        <a:t>10</a:t>
                       </a:r>
-                      <a:endParaRPr lang="de-DE" sz="2000" dirty="0"/>
                     </a:p>
                   </a:txBody>
                   <a:tcPr/>
@@ -7852,34 +7701,39 @@
                     <a:p>
                       <a:pPr algn="r"/>
                       <a:r>
-                        <a:rPr lang="de-DE" sz="2000" dirty="0" smtClean="0">
+                        <a:rPr lang="de-DE" sz="1800" dirty="0">
                           <a:solidFill>
-                            <a:srgbClr val="FF0000"/>
+                            <a:srgbClr val="00B050"/>
                           </a:solidFill>
                         </a:rPr>
-                        <a:t>+12</a:t>
+                        <a:t>-5</a:t>
                       </a:r>
-                      <a:endParaRPr lang="de-DE" sz="2000" dirty="0">
-                        <a:solidFill>
-                          <a:srgbClr val="FF0000"/>
-                        </a:solidFill>
-                      </a:endParaRPr>
                     </a:p>
                   </a:txBody>
                   <a:tcPr/>
                 </a:tc>
+                <a:extLst>
+                  <a:ext uri="{0D108BD9-81ED-4DB2-BD59-A6C34878D82A}">
+                    <a16:rowId xmlns:a16="http://schemas.microsoft.com/office/drawing/2014/main" val="3497736946"/>
+                  </a:ext>
+                </a:extLst>
               </a:tr>
-              <a:tr h="370840">
+              <a:tr h="257848">
                 <a:tc>
                   <a:txBody>
                     <a:bodyPr/>
                     <a:lstStyle/>
                     <a:p>
                       <a:r>
-                        <a:rPr lang="de-DE" sz="2000" dirty="0" smtClean="0"/>
-                        <a:t>Dokumentation</a:t>
+                        <a:rPr lang="de-DE" sz="1800" b="1" i="0" dirty="0">
+                          <a:sym typeface="Wingdings" panose="05000000000000000000" pitchFamily="2" charset="2"/>
+                        </a:rPr>
+                        <a:t> </a:t>
                       </a:r>
-                      <a:endParaRPr lang="de-DE" sz="2000" dirty="0"/>
+                      <a:r>
+                        <a:rPr lang="de-DE" sz="1800" b="1" i="0" dirty="0"/>
+                        <a:t>Gesamt bis Präsentation</a:t>
+                      </a:r>
                     </a:p>
                   </a:txBody>
                   <a:tcPr/>
@@ -7891,47 +7745,9 @@
                     <a:p>
                       <a:pPr algn="r"/>
                       <a:r>
-                        <a:rPr lang="de-DE" sz="2000" dirty="0" smtClean="0"/>
-                        <a:t>45</a:t>
+                        <a:rPr lang="de-DE" sz="1800" dirty="0"/>
+                        <a:t>330</a:t>
                       </a:r>
-                      <a:endParaRPr lang="de-DE" sz="2000" dirty="0"/>
-                    </a:p>
-                  </a:txBody>
-                  <a:tcPr/>
-                </a:tc>
-                <a:tc>
-                  <a:txBody>
-                    <a:bodyPr/>
-                    <a:lstStyle/>
-                    <a:p>
-                      <a:pPr algn="r"/>
-                      <a:endParaRPr lang="de-DE" sz="2000" dirty="0"/>
-                    </a:p>
-                  </a:txBody>
-                  <a:tcPr/>
-                </a:tc>
-                <a:tc>
-                  <a:txBody>
-                    <a:bodyPr/>
-                    <a:lstStyle/>
-                    <a:p>
-                      <a:endParaRPr lang="de-DE" sz="2000" dirty="0"/>
-                    </a:p>
-                  </a:txBody>
-                  <a:tcPr/>
-                </a:tc>
-              </a:tr>
-              <a:tr h="0">
-                <a:tc>
-                  <a:txBody>
-                    <a:bodyPr/>
-                    <a:lstStyle/>
-                    <a:p>
-                      <a:r>
-                        <a:rPr lang="de-DE" sz="2000" b="1" dirty="0" smtClean="0"/>
-                        <a:t>Gesamt</a:t>
-                      </a:r>
-                      <a:endParaRPr lang="de-DE" sz="2000" b="1" dirty="0"/>
                     </a:p>
                   </a:txBody>
                   <a:tcPr/>
@@ -7943,10 +7759,9 @@
                     <a:p>
                       <a:pPr algn="r"/>
                       <a:r>
-                        <a:rPr lang="de-DE" sz="2000" b="1" dirty="0" smtClean="0"/>
-                        <a:t>360</a:t>
+                        <a:rPr lang="de-DE" sz="1800" dirty="0"/>
+                        <a:t>337</a:t>
                       </a:r>
-                      <a:endParaRPr lang="de-DE" sz="2000" b="1" dirty="0"/>
                     </a:p>
                   </a:txBody>
                   <a:tcPr/>
@@ -7957,7 +7772,34 @@
                     <a:lstStyle/>
                     <a:p>
                       <a:pPr algn="r"/>
-                      <a:endParaRPr lang="de-DE" sz="2000" dirty="0"/>
+                      <a:r>
+                        <a:rPr lang="de-DE" sz="1800" dirty="0">
+                          <a:solidFill>
+                            <a:srgbClr val="FF0000"/>
+                          </a:solidFill>
+                        </a:rPr>
+                        <a:t>+7</a:t>
+                      </a:r>
+                    </a:p>
+                  </a:txBody>
+                  <a:tcPr/>
+                </a:tc>
+                <a:extLst>
+                  <a:ext uri="{0D108BD9-81ED-4DB2-BD59-A6C34878D82A}">
+                    <a16:rowId xmlns:a16="http://schemas.microsoft.com/office/drawing/2014/main" val="10007"/>
+                  </a:ext>
+                </a:extLst>
+              </a:tr>
+              <a:tr h="257848">
+                <a:tc>
+                  <a:txBody>
+                    <a:bodyPr/>
+                    <a:lstStyle/>
+                    <a:p>
+                      <a:r>
+                        <a:rPr lang="de-DE" sz="1800" dirty="0"/>
+                        <a:t>Dokumentation</a:t>
+                      </a:r>
                     </a:p>
                   </a:txBody>
                   <a:tcPr/>
@@ -7967,11 +7809,99 @@
                     <a:bodyPr/>
                     <a:lstStyle/>
                     <a:p>
-                      <a:endParaRPr lang="de-DE" sz="2000" dirty="0"/>
+                      <a:pPr algn="r"/>
+                      <a:r>
+                        <a:rPr lang="de-DE" sz="1800" dirty="0"/>
+                        <a:t>30</a:t>
+                      </a:r>
                     </a:p>
                   </a:txBody>
                   <a:tcPr/>
                 </a:tc>
+                <a:tc>
+                  <a:txBody>
+                    <a:bodyPr/>
+                    <a:lstStyle/>
+                    <a:p>
+                      <a:pPr algn="r"/>
+                      <a:r>
+                        <a:rPr lang="de-DE" sz="1800" dirty="0"/>
+                        <a:t>15</a:t>
+                      </a:r>
+                    </a:p>
+                  </a:txBody>
+                  <a:tcPr/>
+                </a:tc>
+                <a:tc>
+                  <a:txBody>
+                    <a:bodyPr/>
+                    <a:lstStyle/>
+                    <a:p>
+                      <a:endParaRPr lang="de-DE" sz="1800" dirty="0"/>
+                    </a:p>
+                  </a:txBody>
+                  <a:tcPr/>
+                </a:tc>
+                <a:extLst>
+                  <a:ext uri="{0D108BD9-81ED-4DB2-BD59-A6C34878D82A}">
+                    <a16:rowId xmlns:a16="http://schemas.microsoft.com/office/drawing/2014/main" val="10008"/>
+                  </a:ext>
+                </a:extLst>
+              </a:tr>
+              <a:tr h="257848">
+                <a:tc>
+                  <a:txBody>
+                    <a:bodyPr/>
+                    <a:lstStyle/>
+                    <a:p>
+                      <a:r>
+                        <a:rPr lang="de-DE" sz="1800" b="1" dirty="0"/>
+                        <a:t>Gesamt</a:t>
+                      </a:r>
+                    </a:p>
+                  </a:txBody>
+                  <a:tcPr/>
+                </a:tc>
+                <a:tc>
+                  <a:txBody>
+                    <a:bodyPr/>
+                    <a:lstStyle/>
+                    <a:p>
+                      <a:pPr algn="r"/>
+                      <a:r>
+                        <a:rPr lang="de-DE" sz="1800" b="1" dirty="0"/>
+                        <a:t>360</a:t>
+                      </a:r>
+                    </a:p>
+                  </a:txBody>
+                  <a:tcPr/>
+                </a:tc>
+                <a:tc>
+                  <a:txBody>
+                    <a:bodyPr/>
+                    <a:lstStyle/>
+                    <a:p>
+                      <a:pPr algn="r"/>
+                      <a:endParaRPr lang="de-DE" sz="1800" dirty="0"/>
+                    </a:p>
+                  </a:txBody>
+                  <a:tcPr/>
+                </a:tc>
+                <a:tc>
+                  <a:txBody>
+                    <a:bodyPr/>
+                    <a:lstStyle/>
+                    <a:p>
+                      <a:endParaRPr lang="de-DE" sz="1800" dirty="0"/>
+                    </a:p>
+                  </a:txBody>
+                  <a:tcPr/>
+                </a:tc>
+                <a:extLst>
+                  <a:ext uri="{0D108BD9-81ED-4DB2-BD59-A6C34878D82A}">
+                    <a16:rowId xmlns:a16="http://schemas.microsoft.com/office/drawing/2014/main" val="10009"/>
+                  </a:ext>
+                </a:extLst>
               </a:tr>
             </a:tbl>
           </a:graphicData>
@@ -7987,13 +7917,6 @@
   <p:clrMapOvr>
     <a:masterClrMapping/>
   </p:clrMapOvr>
-  <p:timing>
-    <p:tnLst>
-      <p:par>
-        <p:cTn id="1" dur="indefinite" restart="never" nodeType="tmRoot"/>
-      </p:par>
-    </p:tnLst>
-  </p:timing>
 </p:sld>
 </file>
 
@@ -8030,7 +7953,7 @@
           <a:lstStyle/>
           <a:p>
             <a:r>
-              <a:rPr lang="en-US" dirty="0" err="1" smtClean="0">
+              <a:rPr lang="en-US" dirty="0" err="1">
                 <a:solidFill>
                   <a:schemeClr val="tx1"/>
                 </a:solidFill>
@@ -8072,14 +7995,14 @@
               <a:buChar char="•"/>
             </a:pPr>
             <a:r>
-              <a:rPr lang="en-US" sz="2000" dirty="0" smtClean="0"/>
+              <a:rPr lang="en-US" sz="2000" dirty="0"/>
               <a:t>Interne </a:t>
             </a:r>
             <a:r>
-              <a:rPr lang="en-US" sz="2000" dirty="0" err="1" smtClean="0"/>
+              <a:rPr lang="en-US" sz="2000" dirty="0" err="1"/>
               <a:t>Bilderquellen</a:t>
             </a:r>
-            <a:endParaRPr lang="en-US" sz="2000" dirty="0" smtClean="0"/>
+            <a:endParaRPr lang="en-US" sz="2000" dirty="0"/>
           </a:p>
           <a:p>
             <a:pPr marL="285750" indent="-285750">
@@ -8087,16 +8010,8 @@
               <a:buChar char="•"/>
             </a:pPr>
             <a:r>
-              <a:rPr lang="en-US" sz="2000" dirty="0" smtClean="0"/>
-              <a:t>http</a:t>
-            </a:r>
-            <a:r>
               <a:rPr lang="en-US" sz="2000" dirty="0"/>
-              <a:t>://</a:t>
-            </a:r>
-            <a:r>
-              <a:rPr lang="en-US" sz="2000" dirty="0" smtClean="0"/>
-              <a:t>www.thinkstockphotos.de/image/stock-illustration-simple-business-people-steady-growth/519385349</a:t>
+              <a:t>http://www.thinkstockphotos.de/image/stock-illustration-simple-business-people-steady-growth/519385349</a:t>
             </a:r>
           </a:p>
           <a:p>
@@ -8106,11 +8021,7 @@
             </a:pPr>
             <a:r>
               <a:rPr lang="en-US" sz="2000" dirty="0"/>
-              <a:t>http://</a:t>
-            </a:r>
-            <a:r>
-              <a:rPr lang="en-US" sz="2000" dirty="0" smtClean="0"/>
-              <a:t>comps.canstockphoto.com/can-stock-photo_csp16420993.jpg</a:t>
+              <a:t>http://comps.canstockphoto.com/can-stock-photo_csp16420993.jpg</a:t>
             </a:r>
           </a:p>
         </p:txBody>
@@ -8614,18 +8525,13 @@
           <a:p>
             <a:pPr algn="ctr"/>
             <a:r>
-              <a:rPr lang="de-DE" sz="6000" b="1" dirty="0" smtClean="0">
+              <a:rPr lang="de-DE" sz="6000" b="1" dirty="0">
                 <a:solidFill>
                   <a:schemeClr val="tx1"/>
                 </a:solidFill>
               </a:rPr>
               <a:t>Vielen Dank für Ihre Aufmerksamkeit!</a:t>
             </a:r>
-            <a:endParaRPr lang="de-DE" sz="6000" b="1" dirty="0">
-              <a:solidFill>
-                <a:schemeClr val="tx1"/>
-              </a:solidFill>
-            </a:endParaRPr>
           </a:p>
         </p:txBody>
       </p:sp>
@@ -8639,13 +8545,6 @@
   <p:clrMapOvr>
     <a:masterClrMapping/>
   </p:clrMapOvr>
-  <p:timing>
-    <p:tnLst>
-      <p:par>
-        <p:cTn id="1" dur="indefinite" restart="never" nodeType="tmRoot"/>
-      </p:par>
-    </p:tnLst>
-  </p:timing>
 </p:sld>
 </file>
 
@@ -8682,10 +8581,9 @@
           <a:lstStyle/>
           <a:p>
             <a:r>
-              <a:rPr lang="en-US" dirty="0" smtClean="0"/>
+              <a:rPr lang="en-US" dirty="0"/>
               <a:t>Agenda</a:t>
             </a:r>
-            <a:endParaRPr lang="en-US" dirty="0"/>
           </a:p>
         </p:txBody>
       </p:sp>
@@ -9387,7 +9285,7 @@
           <a:lstStyle/>
           <a:p>
             <a:r>
-              <a:rPr lang="en-GB" dirty="0" err="1" smtClean="0">
+              <a:rPr lang="en-GB" dirty="0" err="1">
                 <a:solidFill>
                   <a:schemeClr val="tx1"/>
                 </a:solidFill>
@@ -9395,7 +9293,7 @@
               <a:t>Technisches</a:t>
             </a:r>
             <a:r>
-              <a:rPr lang="en-GB" dirty="0" smtClean="0">
+              <a:rPr lang="en-GB" dirty="0">
                 <a:solidFill>
                   <a:schemeClr val="tx1"/>
                 </a:solidFill>
@@ -9403,7 +9301,7 @@
               <a:t> </a:t>
             </a:r>
             <a:r>
-              <a:rPr lang="en-GB" dirty="0" err="1" smtClean="0">
+              <a:rPr lang="en-GB" dirty="0" err="1">
                 <a:solidFill>
                   <a:schemeClr val="tx1"/>
                 </a:solidFill>
@@ -9411,7 +9309,7 @@
               <a:t>Konzept</a:t>
             </a:r>
             <a:r>
-              <a:rPr lang="en-GB" dirty="0" smtClean="0">
+              <a:rPr lang="en-GB" dirty="0">
                 <a:solidFill>
                   <a:schemeClr val="tx1"/>
                 </a:solidFill>
@@ -9419,7 +9317,7 @@
               <a:t>: </a:t>
             </a:r>
             <a:r>
-              <a:rPr lang="en-GB" dirty="0" err="1" smtClean="0">
+              <a:rPr lang="en-GB" dirty="0" err="1">
                 <a:solidFill>
                   <a:schemeClr val="tx1"/>
                 </a:solidFill>
@@ -9464,11 +9362,11 @@
               <a:buChar char="•"/>
             </a:pPr>
             <a:r>
-              <a:rPr lang="en-US" sz="2400" dirty="0" err="1" smtClean="0"/>
+              <a:rPr lang="en-US" sz="2400" dirty="0" err="1"/>
               <a:t>Programmierung</a:t>
             </a:r>
             <a:r>
-              <a:rPr lang="en-US" sz="2400" dirty="0" smtClean="0"/>
+              <a:rPr lang="en-US" sz="2400" dirty="0"/>
               <a:t>:</a:t>
             </a:r>
           </a:p>
@@ -9481,11 +9379,11 @@
               <a:buChar char="•"/>
             </a:pPr>
             <a:r>
-              <a:rPr lang="en-US" sz="2400" dirty="0" err="1" smtClean="0"/>
+              <a:rPr lang="en-US" sz="2400" dirty="0" err="1"/>
               <a:t>Programmiersprachen</a:t>
             </a:r>
             <a:r>
-              <a:rPr lang="en-US" sz="2400" dirty="0" smtClean="0"/>
+              <a:rPr lang="en-US" sz="2400" dirty="0"/>
               <a:t>: Java, Java Script, HTML 5, CSS, MySQL</a:t>
             </a:r>
           </a:p>
@@ -9498,16 +9396,12 @@
               <a:buChar char="•"/>
             </a:pPr>
             <a:r>
-              <a:rPr lang="en-US" sz="2400" dirty="0" err="1" smtClean="0"/>
+              <a:rPr lang="en-US" sz="2400" dirty="0" err="1"/>
               <a:t>Entwicklungsumgebung</a:t>
             </a:r>
             <a:r>
-              <a:rPr lang="en-US" sz="2400" dirty="0" smtClean="0"/>
-              <a:t>: Eclipse </a:t>
-            </a:r>
-            <a:r>
-              <a:rPr lang="en-US" sz="2400" dirty="0" smtClean="0"/>
-              <a:t>Neon</a:t>
+              <a:rPr lang="en-US" sz="2400" dirty="0"/>
+              <a:t>: Eclipse Neon</a:t>
             </a:r>
           </a:p>
           <a:p>
@@ -9519,20 +9413,12 @@
               <a:buChar char="•"/>
             </a:pPr>
             <a:r>
-              <a:rPr lang="en-US" sz="2400" dirty="0" err="1" smtClean="0"/>
+              <a:rPr lang="en-US" sz="2400" dirty="0" err="1"/>
               <a:t>Zusätzliche</a:t>
             </a:r>
             <a:r>
-              <a:rPr lang="en-US" sz="2400" dirty="0" smtClean="0"/>
-              <a:t> </a:t>
-            </a:r>
-            <a:r>
-              <a:rPr lang="en-US" sz="2400" dirty="0" smtClean="0"/>
-              <a:t>Software: </a:t>
-            </a:r>
-            <a:r>
-              <a:rPr lang="en-US" sz="2400" dirty="0" smtClean="0"/>
-              <a:t>XAMMP (MySQL, Tomcat), GitHub</a:t>
+              <a:rPr lang="en-US" sz="2400" dirty="0"/>
+              <a:t> Software: XAMMP (MySQL, Tomcat), GitHub</a:t>
             </a:r>
           </a:p>
           <a:p>
@@ -9544,30 +9430,26 @@
               <a:buChar char="•"/>
             </a:pPr>
             <a:r>
-              <a:rPr lang="en-US" sz="2400" dirty="0" err="1" smtClean="0"/>
+              <a:rPr lang="en-US" sz="2400" dirty="0" err="1"/>
               <a:t>Dokumentation</a:t>
             </a:r>
             <a:r>
-              <a:rPr lang="en-US" sz="2400" dirty="0" smtClean="0"/>
+              <a:rPr lang="en-US" sz="2400" dirty="0"/>
               <a:t>: MS Office, MS Visio, </a:t>
             </a:r>
             <a:r>
-              <a:rPr lang="en-US" sz="2400" dirty="0" err="1" smtClean="0"/>
+              <a:rPr lang="en-US" sz="2400" dirty="0" err="1"/>
               <a:t>StarUML</a:t>
             </a:r>
             <a:r>
               <a:rPr lang="en-US" sz="2400" dirty="0"/>
-              <a:t> </a:t>
-            </a:r>
-            <a:r>
-              <a:rPr lang="en-US" sz="2400" dirty="0" smtClean="0"/>
-              <a:t>und </a:t>
-            </a:r>
-            <a:r>
-              <a:rPr lang="en-US" sz="2400" dirty="0" err="1" smtClean="0"/>
+              <a:t> und </a:t>
+            </a:r>
+            <a:r>
+              <a:rPr lang="en-US" sz="2400" dirty="0" err="1"/>
               <a:t>Moqups</a:t>
             </a:r>
-            <a:endParaRPr lang="en-US" sz="2400" dirty="0" smtClean="0"/>
+            <a:endParaRPr lang="en-US" sz="2400" dirty="0"/>
           </a:p>
           <a:p>
             <a:pPr marL="800100" lvl="1" indent="-342900">
@@ -9578,11 +9460,11 @@
               <a:buChar char="•"/>
             </a:pPr>
             <a:r>
-              <a:rPr lang="en-US" sz="2400" dirty="0" err="1" smtClean="0"/>
+              <a:rPr lang="en-US" sz="2400" dirty="0" err="1"/>
               <a:t>Projektmanagement</a:t>
             </a:r>
             <a:r>
-              <a:rPr lang="en-US" sz="2400" dirty="0" smtClean="0"/>
+              <a:rPr lang="en-US" sz="2400" dirty="0"/>
               <a:t>: MS Project</a:t>
             </a:r>
           </a:p>
@@ -9591,7 +9473,7 @@
               <a:buFont typeface="Arial" panose="020B0604020202020204" pitchFamily="34" charset="0"/>
               <a:buChar char="•"/>
             </a:pPr>
-            <a:endParaRPr lang="en-US" sz="2400" dirty="0" smtClean="0">
+            <a:endParaRPr lang="en-US" sz="2400" dirty="0">
               <a:solidFill>
                 <a:srgbClr val="990000"/>
               </a:solidFill>
@@ -9655,7 +9537,7 @@
           <a:p>
             <a:pPr algn="ctr"/>
             <a:r>
-              <a:rPr lang="en-US" dirty="0" err="1" smtClean="0"/>
+              <a:rPr lang="en-US" dirty="0" err="1"/>
               <a:t>Projektmanagement</a:t>
             </a:r>
             <a:endParaRPr lang="en-US" dirty="0"/>
@@ -9707,7 +9589,7 @@
           <a:p>
             <a:pPr algn="ctr"/>
             <a:r>
-              <a:rPr lang="en-US" dirty="0" err="1" smtClean="0"/>
+              <a:rPr lang="en-US" dirty="0" err="1"/>
               <a:t>Funktionen</a:t>
             </a:r>
             <a:endParaRPr lang="en-US" dirty="0"/>
@@ -9759,15 +9641,15 @@
           <a:p>
             <a:pPr algn="ctr"/>
             <a:r>
-              <a:rPr lang="en-US" dirty="0" err="1" smtClean="0"/>
+              <a:rPr lang="en-US" dirty="0" err="1"/>
               <a:t>Technisches</a:t>
             </a:r>
             <a:r>
-              <a:rPr lang="en-US" dirty="0" smtClean="0"/>
+              <a:rPr lang="en-US" dirty="0"/>
               <a:t> </a:t>
             </a:r>
             <a:r>
-              <a:rPr lang="en-US" dirty="0" err="1" smtClean="0"/>
+              <a:rPr lang="en-US" dirty="0" err="1"/>
               <a:t>Konzept</a:t>
             </a:r>
             <a:endParaRPr lang="en-US" dirty="0"/>
@@ -9819,10 +9701,9 @@
           <a:p>
             <a:pPr algn="ctr"/>
             <a:r>
-              <a:rPr lang="en-US" dirty="0" smtClean="0"/>
+              <a:rPr lang="en-US" dirty="0"/>
               <a:t>Live Demo</a:t>
             </a:r>
-            <a:endParaRPr lang="en-US" dirty="0"/>
           </a:p>
         </p:txBody>
       </p:sp>
@@ -9871,7 +9752,7 @@
           <a:p>
             <a:pPr algn="ctr"/>
             <a:r>
-              <a:rPr lang="en-US" dirty="0" err="1" smtClean="0"/>
+              <a:rPr lang="en-US" dirty="0" err="1"/>
               <a:t>Fazit</a:t>
             </a:r>
             <a:endParaRPr lang="en-US" dirty="0"/>
@@ -9888,13 +9769,6 @@
   <p:clrMapOvr>
     <a:masterClrMapping/>
   </p:clrMapOvr>
-  <p:timing>
-    <p:tnLst>
-      <p:par>
-        <p:cTn id="1" dur="indefinite" restart="never" nodeType="tmRoot"/>
-      </p:par>
-    </p:tnLst>
-  </p:timing>
 </p:sld>
 </file>
 
@@ -9931,7 +9805,7 @@
           <a:lstStyle/>
           <a:p>
             <a:r>
-              <a:rPr lang="en-GB" dirty="0" err="1" smtClean="0">
+              <a:rPr lang="en-GB" dirty="0" err="1">
                 <a:solidFill>
                   <a:schemeClr val="tx1"/>
                 </a:solidFill>
@@ -9939,7 +9813,7 @@
               <a:t>Technisches</a:t>
             </a:r>
             <a:r>
-              <a:rPr lang="en-GB" dirty="0" smtClean="0">
+              <a:rPr lang="en-GB" dirty="0">
                 <a:solidFill>
                   <a:schemeClr val="tx1"/>
                 </a:solidFill>
@@ -9947,7 +9821,7 @@
               <a:t> </a:t>
             </a:r>
             <a:r>
-              <a:rPr lang="en-GB" dirty="0" err="1" smtClean="0">
+              <a:rPr lang="en-GB" dirty="0" err="1">
                 <a:solidFill>
                   <a:schemeClr val="tx1"/>
                 </a:solidFill>
@@ -9955,12 +9829,400 @@
               <a:t>Konzept</a:t>
             </a:r>
             <a:r>
-              <a:rPr lang="en-GB" dirty="0" smtClean="0">
+              <a:rPr lang="en-GB" dirty="0">
                 <a:solidFill>
                   <a:schemeClr val="tx1"/>
                 </a:solidFill>
               </a:rPr>
               <a:t>: Model-View-Concept</a:t>
+            </a:r>
+          </a:p>
+        </p:txBody>
+      </p:sp>
+      <p:sp>
+        <p:nvSpPr>
+          <p:cNvPr id="4" name="Rechteck 3"/>
+          <p:cNvSpPr/>
+          <p:nvPr/>
+        </p:nvSpPr>
+        <p:spPr>
+          <a:xfrm>
+            <a:off x="2426189" y="5708708"/>
+            <a:ext cx="2438167" cy="304800"/>
+          </a:xfrm>
+          <a:prstGeom prst="rect">
+            <a:avLst/>
+          </a:prstGeom>
+          <a:solidFill>
+            <a:srgbClr val="990000"/>
+          </a:solidFill>
+          <a:ln>
+            <a:solidFill>
+              <a:srgbClr val="C00000"/>
+            </a:solidFill>
+          </a:ln>
+        </p:spPr>
+        <p:style>
+          <a:lnRef idx="2">
+            <a:schemeClr val="accent1">
+              <a:shade val="50000"/>
+            </a:schemeClr>
+          </a:lnRef>
+          <a:fillRef idx="1">
+            <a:schemeClr val="accent1"/>
+          </a:fillRef>
+          <a:effectRef idx="0">
+            <a:schemeClr val="accent1"/>
+          </a:effectRef>
+          <a:fontRef idx="minor">
+            <a:schemeClr val="lt1"/>
+          </a:fontRef>
+        </p:style>
+        <p:txBody>
+          <a:bodyPr rtlCol="0" anchor="ctr"/>
+          <a:lstStyle/>
+          <a:p>
+            <a:pPr algn="ctr"/>
+            <a:r>
+              <a:rPr lang="en-US" dirty="0" err="1"/>
+              <a:t>Projektmanagement</a:t>
+            </a:r>
+            <a:endParaRPr lang="en-US" dirty="0"/>
+          </a:p>
+        </p:txBody>
+      </p:sp>
+      <p:sp>
+        <p:nvSpPr>
+          <p:cNvPr id="5" name="Rechteck 4"/>
+          <p:cNvSpPr/>
+          <p:nvPr/>
+        </p:nvSpPr>
+        <p:spPr>
+          <a:xfrm>
+            <a:off x="4867642" y="5708708"/>
+            <a:ext cx="2444739" cy="304800"/>
+          </a:xfrm>
+          <a:prstGeom prst="rect">
+            <a:avLst/>
+          </a:prstGeom>
+          <a:solidFill>
+            <a:srgbClr val="990000"/>
+          </a:solidFill>
+          <a:ln>
+            <a:solidFill>
+              <a:srgbClr val="C00000"/>
+            </a:solidFill>
+          </a:ln>
+        </p:spPr>
+        <p:style>
+          <a:lnRef idx="2">
+            <a:schemeClr val="accent1">
+              <a:shade val="50000"/>
+            </a:schemeClr>
+          </a:lnRef>
+          <a:fillRef idx="1">
+            <a:schemeClr val="accent1"/>
+          </a:fillRef>
+          <a:effectRef idx="0">
+            <a:schemeClr val="accent1"/>
+          </a:effectRef>
+          <a:fontRef idx="minor">
+            <a:schemeClr val="lt1"/>
+          </a:fontRef>
+        </p:style>
+        <p:txBody>
+          <a:bodyPr rtlCol="0" anchor="ctr"/>
+          <a:lstStyle/>
+          <a:p>
+            <a:pPr algn="ctr"/>
+            <a:r>
+              <a:rPr lang="en-US" dirty="0" err="1"/>
+              <a:t>Funktionen</a:t>
+            </a:r>
+            <a:endParaRPr lang="en-US" dirty="0"/>
+          </a:p>
+        </p:txBody>
+      </p:sp>
+      <p:sp>
+        <p:nvSpPr>
+          <p:cNvPr id="6" name="Rechteck 5"/>
+          <p:cNvSpPr/>
+          <p:nvPr/>
+        </p:nvSpPr>
+        <p:spPr>
+          <a:xfrm>
+            <a:off x="0" y="5576904"/>
+            <a:ext cx="2422903" cy="436604"/>
+          </a:xfrm>
+          <a:prstGeom prst="rect">
+            <a:avLst/>
+          </a:prstGeom>
+          <a:solidFill>
+            <a:srgbClr val="C00000"/>
+          </a:solidFill>
+          <a:ln>
+            <a:solidFill>
+              <a:srgbClr val="990000"/>
+            </a:solidFill>
+          </a:ln>
+        </p:spPr>
+        <p:style>
+          <a:lnRef idx="2">
+            <a:schemeClr val="accent1">
+              <a:shade val="50000"/>
+            </a:schemeClr>
+          </a:lnRef>
+          <a:fillRef idx="1">
+            <a:schemeClr val="accent1"/>
+          </a:fillRef>
+          <a:effectRef idx="0">
+            <a:schemeClr val="accent1"/>
+          </a:effectRef>
+          <a:fontRef idx="minor">
+            <a:schemeClr val="lt1"/>
+          </a:fontRef>
+        </p:style>
+        <p:txBody>
+          <a:bodyPr rtlCol="0" anchor="ctr"/>
+          <a:lstStyle/>
+          <a:p>
+            <a:pPr algn="ctr"/>
+            <a:r>
+              <a:rPr lang="en-US" dirty="0" err="1"/>
+              <a:t>Technisches</a:t>
+            </a:r>
+            <a:r>
+              <a:rPr lang="en-US" dirty="0"/>
+              <a:t> </a:t>
+            </a:r>
+            <a:r>
+              <a:rPr lang="en-US" dirty="0" err="1"/>
+              <a:t>Konzept</a:t>
+            </a:r>
+            <a:endParaRPr lang="en-US" dirty="0"/>
+          </a:p>
+        </p:txBody>
+      </p:sp>
+      <p:sp>
+        <p:nvSpPr>
+          <p:cNvPr id="7" name="Rechteck 6"/>
+          <p:cNvSpPr/>
+          <p:nvPr/>
+        </p:nvSpPr>
+        <p:spPr>
+          <a:xfrm>
+            <a:off x="7315667" y="5708708"/>
+            <a:ext cx="2438167" cy="304800"/>
+          </a:xfrm>
+          <a:prstGeom prst="rect">
+            <a:avLst/>
+          </a:prstGeom>
+          <a:solidFill>
+            <a:srgbClr val="990000"/>
+          </a:solidFill>
+          <a:ln>
+            <a:solidFill>
+              <a:srgbClr val="C00000"/>
+            </a:solidFill>
+          </a:ln>
+        </p:spPr>
+        <p:style>
+          <a:lnRef idx="2">
+            <a:schemeClr val="accent1">
+              <a:shade val="50000"/>
+            </a:schemeClr>
+          </a:lnRef>
+          <a:fillRef idx="1">
+            <a:schemeClr val="accent1"/>
+          </a:fillRef>
+          <a:effectRef idx="0">
+            <a:schemeClr val="accent1"/>
+          </a:effectRef>
+          <a:fontRef idx="minor">
+            <a:schemeClr val="lt1"/>
+          </a:fontRef>
+        </p:style>
+        <p:txBody>
+          <a:bodyPr rtlCol="0" anchor="ctr"/>
+          <a:lstStyle/>
+          <a:p>
+            <a:pPr algn="ctr"/>
+            <a:r>
+              <a:rPr lang="en-US" dirty="0"/>
+              <a:t>Live Demo</a:t>
+            </a:r>
+          </a:p>
+        </p:txBody>
+      </p:sp>
+      <p:sp>
+        <p:nvSpPr>
+          <p:cNvPr id="8" name="Rechteck 7"/>
+          <p:cNvSpPr/>
+          <p:nvPr/>
+        </p:nvSpPr>
+        <p:spPr>
+          <a:xfrm>
+            <a:off x="9753834" y="5708708"/>
+            <a:ext cx="2438166" cy="304800"/>
+          </a:xfrm>
+          <a:prstGeom prst="rect">
+            <a:avLst/>
+          </a:prstGeom>
+          <a:solidFill>
+            <a:srgbClr val="990000"/>
+          </a:solidFill>
+          <a:ln>
+            <a:solidFill>
+              <a:srgbClr val="C00000"/>
+            </a:solidFill>
+          </a:ln>
+        </p:spPr>
+        <p:style>
+          <a:lnRef idx="2">
+            <a:schemeClr val="accent1">
+              <a:shade val="50000"/>
+            </a:schemeClr>
+          </a:lnRef>
+          <a:fillRef idx="1">
+            <a:schemeClr val="accent1"/>
+          </a:fillRef>
+          <a:effectRef idx="0">
+            <a:schemeClr val="accent1"/>
+          </a:effectRef>
+          <a:fontRef idx="minor">
+            <a:schemeClr val="lt1"/>
+          </a:fontRef>
+        </p:style>
+        <p:txBody>
+          <a:bodyPr rtlCol="0" anchor="ctr"/>
+          <a:lstStyle/>
+          <a:p>
+            <a:pPr algn="ctr"/>
+            <a:r>
+              <a:rPr lang="en-US" dirty="0" err="1"/>
+              <a:t>Fazit</a:t>
+            </a:r>
+            <a:endParaRPr lang="en-US" dirty="0"/>
+          </a:p>
+        </p:txBody>
+      </p:sp>
+      <p:pic>
+        <p:nvPicPr>
+          <p:cNvPr id="9" name="Grafik 8" descr="F:\Documents\FHDW\pfbw113a_WS14-15_Projekte der Wirtschaftsinformatik\7e7a7815ff9aad1df2de3275.jpg.gif"/>
+          <p:cNvPicPr/>
+          <p:nvPr/>
+        </p:nvPicPr>
+        <p:blipFill>
+          <a:blip r:embed="rId2">
+            <a:extLst>
+              <a:ext uri="{28A0092B-C50C-407E-A947-70E740481C1C}">
+                <a14:useLocalDpi xmlns:a14="http://schemas.microsoft.com/office/drawing/2010/main" val="0"/>
+              </a:ext>
+            </a:extLst>
+          </a:blip>
+          <a:srcRect/>
+          <a:stretch>
+            <a:fillRect/>
+          </a:stretch>
+        </p:blipFill>
+        <p:spPr bwMode="auto">
+          <a:xfrm>
+            <a:off x="3249612" y="2302192"/>
+            <a:ext cx="5692775" cy="2253615"/>
+          </a:xfrm>
+          <a:prstGeom prst="rect">
+            <a:avLst/>
+          </a:prstGeom>
+          <a:noFill/>
+          <a:ln>
+            <a:noFill/>
+          </a:ln>
+        </p:spPr>
+      </p:pic>
+    </p:spTree>
+    <p:extLst>
+      <p:ext uri="{BB962C8B-B14F-4D97-AF65-F5344CB8AC3E}">
+        <p14:creationId xmlns:p14="http://schemas.microsoft.com/office/powerpoint/2010/main" val="1048647052"/>
+      </p:ext>
+    </p:extLst>
+  </p:cSld>
+  <p:clrMapOvr>
+    <a:masterClrMapping/>
+  </p:clrMapOvr>
+</p:sld>
+</file>
+
+<file path=ppt/slides/slide5.xml><?xml version="1.0" encoding="utf-8"?>
+<p:sld xmlns:a="http://schemas.openxmlformats.org/drawingml/2006/main" xmlns:r="http://schemas.openxmlformats.org/officeDocument/2006/relationships" xmlns:p="http://schemas.openxmlformats.org/presentationml/2006/main">
+  <p:cSld>
+    <p:spTree>
+      <p:nvGrpSpPr>
+        <p:cNvPr id="1" name=""/>
+        <p:cNvGrpSpPr/>
+        <p:nvPr/>
+      </p:nvGrpSpPr>
+      <p:grpSpPr>
+        <a:xfrm>
+          <a:off x="0" y="0"/>
+          <a:ext cx="0" cy="0"/>
+          <a:chOff x="0" y="0"/>
+          <a:chExt cx="0" cy="0"/>
+        </a:xfrm>
+      </p:grpSpPr>
+      <p:sp>
+        <p:nvSpPr>
+          <p:cNvPr id="2" name="Titel 1"/>
+          <p:cNvSpPr>
+            <a:spLocks noGrp="1"/>
+          </p:cNvSpPr>
+          <p:nvPr>
+            <p:ph type="title"/>
+          </p:nvPr>
+        </p:nvSpPr>
+        <p:spPr/>
+        <p:txBody>
+          <a:bodyPr/>
+          <a:lstStyle/>
+          <a:p>
+            <a:r>
+              <a:rPr lang="en-GB" dirty="0" err="1">
+                <a:solidFill>
+                  <a:schemeClr val="tx1"/>
+                </a:solidFill>
+              </a:rPr>
+              <a:t>Technisches</a:t>
+            </a:r>
+            <a:r>
+              <a:rPr lang="en-GB" dirty="0">
+                <a:solidFill>
+                  <a:schemeClr val="tx1"/>
+                </a:solidFill>
+              </a:rPr>
+              <a:t> </a:t>
+            </a:r>
+            <a:r>
+              <a:rPr lang="en-GB" dirty="0" err="1">
+                <a:solidFill>
+                  <a:schemeClr val="tx1"/>
+                </a:solidFill>
+              </a:rPr>
+              <a:t>Konzept</a:t>
+            </a:r>
+            <a:r>
+              <a:rPr lang="en-GB" dirty="0">
+                <a:solidFill>
+                  <a:schemeClr val="tx1"/>
+                </a:solidFill>
+              </a:rPr>
+              <a:t>: </a:t>
+            </a:r>
+            <a:r>
+              <a:rPr lang="en-GB" dirty="0" err="1">
+                <a:solidFill>
+                  <a:schemeClr val="tx1"/>
+                </a:solidFill>
+              </a:rPr>
+              <a:t>Datenhaltung</a:t>
             </a:r>
             <a:endParaRPr lang="en-GB" dirty="0">
               <a:solidFill>
@@ -10015,7 +10277,7 @@
           <a:p>
             <a:pPr algn="ctr"/>
             <a:r>
-              <a:rPr lang="en-US" dirty="0" err="1" smtClean="0"/>
+              <a:rPr lang="en-US" dirty="0" err="1"/>
               <a:t>Projektmanagement</a:t>
             </a:r>
             <a:endParaRPr lang="en-US" dirty="0"/>
@@ -10067,7 +10329,7 @@
           <a:p>
             <a:pPr algn="ctr"/>
             <a:r>
-              <a:rPr lang="en-US" dirty="0" err="1" smtClean="0"/>
+              <a:rPr lang="en-US" dirty="0" err="1"/>
               <a:t>Funktionen</a:t>
             </a:r>
             <a:endParaRPr lang="en-US" dirty="0"/>
@@ -10119,15 +10381,15 @@
           <a:p>
             <a:pPr algn="ctr"/>
             <a:r>
-              <a:rPr lang="en-US" dirty="0" err="1" smtClean="0"/>
+              <a:rPr lang="en-US" dirty="0" err="1"/>
               <a:t>Technisches</a:t>
             </a:r>
             <a:r>
-              <a:rPr lang="en-US" dirty="0" smtClean="0"/>
+              <a:rPr lang="en-US" dirty="0"/>
               <a:t> </a:t>
             </a:r>
             <a:r>
-              <a:rPr lang="en-US" dirty="0" err="1" smtClean="0"/>
+              <a:rPr lang="en-US" dirty="0" err="1"/>
               <a:t>Konzept</a:t>
             </a:r>
             <a:endParaRPr lang="en-US" dirty="0"/>
@@ -10179,10 +10441,9 @@
           <a:p>
             <a:pPr algn="ctr"/>
             <a:r>
-              <a:rPr lang="en-US" dirty="0" smtClean="0"/>
+              <a:rPr lang="en-US" dirty="0"/>
               <a:t>Live Demo</a:t>
             </a:r>
-            <a:endParaRPr lang="en-US" dirty="0"/>
           </a:p>
         </p:txBody>
       </p:sp>
@@ -10231,7 +10492,7 @@
           <a:p>
             <a:pPr algn="ctr"/>
             <a:r>
-              <a:rPr lang="en-US" dirty="0" err="1" smtClean="0"/>
+              <a:rPr lang="en-US" dirty="0" err="1"/>
               <a:t>Fazit</a:t>
             </a:r>
             <a:endParaRPr lang="en-US" dirty="0"/>
@@ -10240,8 +10501,10 @@
       </p:sp>
       <p:pic>
         <p:nvPicPr>
-          <p:cNvPr id="9" name="Grafik 8" descr="F:\Documents\FHDW\pfbw113a_WS14-15_Projekte der Wirtschaftsinformatik\7e7a7815ff9aad1df2de3275.jpg.gif"/>
-          <p:cNvPicPr/>
+          <p:cNvPr id="3" name="Grafik 2"/>
+          <p:cNvPicPr>
+            <a:picLocks noChangeAspect="1"/>
+          </p:cNvPicPr>
           <p:nvPr/>
         </p:nvPicPr>
         <p:blipFill>
@@ -10252,467 +10515,20 @@
               </a:ext>
             </a:extLst>
           </a:blip>
-          <a:srcRect/>
           <a:stretch>
             <a:fillRect/>
           </a:stretch>
         </p:blipFill>
-        <p:spPr bwMode="auto">
+        <p:spPr>
           <a:xfrm>
-            <a:off x="3249612" y="2302192"/>
-            <a:ext cx="5692775" cy="2253615"/>
+            <a:off x="2631134" y="1496971"/>
+            <a:ext cx="7532358" cy="4211737"/>
           </a:xfrm>
           <a:prstGeom prst="rect">
             <a:avLst/>
           </a:prstGeom>
-          <a:noFill/>
-          <a:ln>
-            <a:noFill/>
-          </a:ln>
         </p:spPr>
       </p:pic>
-    </p:spTree>
-    <p:extLst>
-      <p:ext uri="{BB962C8B-B14F-4D97-AF65-F5344CB8AC3E}">
-        <p14:creationId xmlns:p14="http://schemas.microsoft.com/office/powerpoint/2010/main" val="1048647052"/>
-      </p:ext>
-    </p:extLst>
-  </p:cSld>
-  <p:clrMapOvr>
-    <a:masterClrMapping/>
-  </p:clrMapOvr>
-  <p:timing>
-    <p:tnLst>
-      <p:par>
-        <p:cTn id="1" dur="indefinite" restart="never" nodeType="tmRoot"/>
-      </p:par>
-    </p:tnLst>
-  </p:timing>
-</p:sld>
-</file>
-
-<file path=ppt/slides/slide5.xml><?xml version="1.0" encoding="utf-8"?>
-<p:sld xmlns:a="http://schemas.openxmlformats.org/drawingml/2006/main" xmlns:r="http://schemas.openxmlformats.org/officeDocument/2006/relationships" xmlns:p="http://schemas.openxmlformats.org/presentationml/2006/main">
-  <p:cSld>
-    <p:spTree>
-      <p:nvGrpSpPr>
-        <p:cNvPr id="1" name=""/>
-        <p:cNvGrpSpPr/>
-        <p:nvPr/>
-      </p:nvGrpSpPr>
-      <p:grpSpPr>
-        <a:xfrm>
-          <a:off x="0" y="0"/>
-          <a:ext cx="0" cy="0"/>
-          <a:chOff x="0" y="0"/>
-          <a:chExt cx="0" cy="0"/>
-        </a:xfrm>
-      </p:grpSpPr>
-      <p:sp>
-        <p:nvSpPr>
-          <p:cNvPr id="2" name="Titel 1"/>
-          <p:cNvSpPr>
-            <a:spLocks noGrp="1"/>
-          </p:cNvSpPr>
-          <p:nvPr>
-            <p:ph type="title"/>
-          </p:nvPr>
-        </p:nvSpPr>
-        <p:spPr/>
-        <p:txBody>
-          <a:bodyPr/>
-          <a:lstStyle/>
-          <a:p>
-            <a:r>
-              <a:rPr lang="en-GB" dirty="0" err="1" smtClean="0">
-                <a:solidFill>
-                  <a:schemeClr val="tx1"/>
-                </a:solidFill>
-              </a:rPr>
-              <a:t>Technisches</a:t>
-            </a:r>
-            <a:r>
-              <a:rPr lang="en-GB" dirty="0" smtClean="0">
-                <a:solidFill>
-                  <a:schemeClr val="tx1"/>
-                </a:solidFill>
-              </a:rPr>
-              <a:t> </a:t>
-            </a:r>
-            <a:r>
-              <a:rPr lang="en-GB" dirty="0" err="1" smtClean="0">
-                <a:solidFill>
-                  <a:schemeClr val="tx1"/>
-                </a:solidFill>
-              </a:rPr>
-              <a:t>Konzept</a:t>
-            </a:r>
-            <a:r>
-              <a:rPr lang="en-GB" dirty="0" smtClean="0">
-                <a:solidFill>
-                  <a:schemeClr val="tx1"/>
-                </a:solidFill>
-              </a:rPr>
-              <a:t>: </a:t>
-            </a:r>
-            <a:r>
-              <a:rPr lang="en-GB" dirty="0" err="1" smtClean="0">
-                <a:solidFill>
-                  <a:schemeClr val="tx1"/>
-                </a:solidFill>
-              </a:rPr>
-              <a:t>Datenhaltung</a:t>
-            </a:r>
-            <a:endParaRPr lang="en-GB" dirty="0">
-              <a:solidFill>
-                <a:schemeClr val="tx1"/>
-              </a:solidFill>
-            </a:endParaRPr>
-          </a:p>
-        </p:txBody>
-      </p:sp>
-      <p:sp>
-        <p:nvSpPr>
-          <p:cNvPr id="4" name="Rechteck 3"/>
-          <p:cNvSpPr/>
-          <p:nvPr/>
-        </p:nvSpPr>
-        <p:spPr>
-          <a:xfrm>
-            <a:off x="2426189" y="5708708"/>
-            <a:ext cx="2438167" cy="304800"/>
-          </a:xfrm>
-          <a:prstGeom prst="rect">
-            <a:avLst/>
-          </a:prstGeom>
-          <a:solidFill>
-            <a:srgbClr val="990000"/>
-          </a:solidFill>
-          <a:ln>
-            <a:solidFill>
-              <a:srgbClr val="C00000"/>
-            </a:solidFill>
-          </a:ln>
-        </p:spPr>
-        <p:style>
-          <a:lnRef idx="2">
-            <a:schemeClr val="accent1">
-              <a:shade val="50000"/>
-            </a:schemeClr>
-          </a:lnRef>
-          <a:fillRef idx="1">
-            <a:schemeClr val="accent1"/>
-          </a:fillRef>
-          <a:effectRef idx="0">
-            <a:schemeClr val="accent1"/>
-          </a:effectRef>
-          <a:fontRef idx="minor">
-            <a:schemeClr val="lt1"/>
-          </a:fontRef>
-        </p:style>
-        <p:txBody>
-          <a:bodyPr rtlCol="0" anchor="ctr"/>
-          <a:lstStyle/>
-          <a:p>
-            <a:pPr algn="ctr"/>
-            <a:r>
-              <a:rPr lang="en-US" dirty="0" err="1" smtClean="0"/>
-              <a:t>Projektmanagement</a:t>
-            </a:r>
-            <a:endParaRPr lang="en-US" dirty="0"/>
-          </a:p>
-        </p:txBody>
-      </p:sp>
-      <p:sp>
-        <p:nvSpPr>
-          <p:cNvPr id="5" name="Rechteck 4"/>
-          <p:cNvSpPr/>
-          <p:nvPr/>
-        </p:nvSpPr>
-        <p:spPr>
-          <a:xfrm>
-            <a:off x="4867642" y="5708708"/>
-            <a:ext cx="2444739" cy="304800"/>
-          </a:xfrm>
-          <a:prstGeom prst="rect">
-            <a:avLst/>
-          </a:prstGeom>
-          <a:solidFill>
-            <a:srgbClr val="990000"/>
-          </a:solidFill>
-          <a:ln>
-            <a:solidFill>
-              <a:srgbClr val="C00000"/>
-            </a:solidFill>
-          </a:ln>
-        </p:spPr>
-        <p:style>
-          <a:lnRef idx="2">
-            <a:schemeClr val="accent1">
-              <a:shade val="50000"/>
-            </a:schemeClr>
-          </a:lnRef>
-          <a:fillRef idx="1">
-            <a:schemeClr val="accent1"/>
-          </a:fillRef>
-          <a:effectRef idx="0">
-            <a:schemeClr val="accent1"/>
-          </a:effectRef>
-          <a:fontRef idx="minor">
-            <a:schemeClr val="lt1"/>
-          </a:fontRef>
-        </p:style>
-        <p:txBody>
-          <a:bodyPr rtlCol="0" anchor="ctr"/>
-          <a:lstStyle/>
-          <a:p>
-            <a:pPr algn="ctr"/>
-            <a:r>
-              <a:rPr lang="en-US" dirty="0" err="1" smtClean="0"/>
-              <a:t>Funktionen</a:t>
-            </a:r>
-            <a:endParaRPr lang="en-US" dirty="0"/>
-          </a:p>
-        </p:txBody>
-      </p:sp>
-      <p:sp>
-        <p:nvSpPr>
-          <p:cNvPr id="6" name="Rechteck 5"/>
-          <p:cNvSpPr/>
-          <p:nvPr/>
-        </p:nvSpPr>
-        <p:spPr>
-          <a:xfrm>
-            <a:off x="0" y="5576904"/>
-            <a:ext cx="2422903" cy="436604"/>
-          </a:xfrm>
-          <a:prstGeom prst="rect">
-            <a:avLst/>
-          </a:prstGeom>
-          <a:solidFill>
-            <a:srgbClr val="C00000"/>
-          </a:solidFill>
-          <a:ln>
-            <a:solidFill>
-              <a:srgbClr val="990000"/>
-            </a:solidFill>
-          </a:ln>
-        </p:spPr>
-        <p:style>
-          <a:lnRef idx="2">
-            <a:schemeClr val="accent1">
-              <a:shade val="50000"/>
-            </a:schemeClr>
-          </a:lnRef>
-          <a:fillRef idx="1">
-            <a:schemeClr val="accent1"/>
-          </a:fillRef>
-          <a:effectRef idx="0">
-            <a:schemeClr val="accent1"/>
-          </a:effectRef>
-          <a:fontRef idx="minor">
-            <a:schemeClr val="lt1"/>
-          </a:fontRef>
-        </p:style>
-        <p:txBody>
-          <a:bodyPr rtlCol="0" anchor="ctr"/>
-          <a:lstStyle/>
-          <a:p>
-            <a:pPr algn="ctr"/>
-            <a:r>
-              <a:rPr lang="en-US" dirty="0" err="1" smtClean="0"/>
-              <a:t>Technisches</a:t>
-            </a:r>
-            <a:r>
-              <a:rPr lang="en-US" dirty="0" smtClean="0"/>
-              <a:t> </a:t>
-            </a:r>
-            <a:r>
-              <a:rPr lang="en-US" dirty="0" err="1" smtClean="0"/>
-              <a:t>Konzept</a:t>
-            </a:r>
-            <a:endParaRPr lang="en-US" dirty="0"/>
-          </a:p>
-        </p:txBody>
-      </p:sp>
-      <p:sp>
-        <p:nvSpPr>
-          <p:cNvPr id="7" name="Rechteck 6"/>
-          <p:cNvSpPr/>
-          <p:nvPr/>
-        </p:nvSpPr>
-        <p:spPr>
-          <a:xfrm>
-            <a:off x="7315667" y="5708708"/>
-            <a:ext cx="2438167" cy="304800"/>
-          </a:xfrm>
-          <a:prstGeom prst="rect">
-            <a:avLst/>
-          </a:prstGeom>
-          <a:solidFill>
-            <a:srgbClr val="990000"/>
-          </a:solidFill>
-          <a:ln>
-            <a:solidFill>
-              <a:srgbClr val="C00000"/>
-            </a:solidFill>
-          </a:ln>
-        </p:spPr>
-        <p:style>
-          <a:lnRef idx="2">
-            <a:schemeClr val="accent1">
-              <a:shade val="50000"/>
-            </a:schemeClr>
-          </a:lnRef>
-          <a:fillRef idx="1">
-            <a:schemeClr val="accent1"/>
-          </a:fillRef>
-          <a:effectRef idx="0">
-            <a:schemeClr val="accent1"/>
-          </a:effectRef>
-          <a:fontRef idx="minor">
-            <a:schemeClr val="lt1"/>
-          </a:fontRef>
-        </p:style>
-        <p:txBody>
-          <a:bodyPr rtlCol="0" anchor="ctr"/>
-          <a:lstStyle/>
-          <a:p>
-            <a:pPr algn="ctr"/>
-            <a:r>
-              <a:rPr lang="en-US" dirty="0" smtClean="0"/>
-              <a:t>Live Demo</a:t>
-            </a:r>
-            <a:endParaRPr lang="en-US" dirty="0"/>
-          </a:p>
-        </p:txBody>
-      </p:sp>
-      <p:sp>
-        <p:nvSpPr>
-          <p:cNvPr id="8" name="Rechteck 7"/>
-          <p:cNvSpPr/>
-          <p:nvPr/>
-        </p:nvSpPr>
-        <p:spPr>
-          <a:xfrm>
-            <a:off x="9753834" y="5708708"/>
-            <a:ext cx="2438166" cy="304800"/>
-          </a:xfrm>
-          <a:prstGeom prst="rect">
-            <a:avLst/>
-          </a:prstGeom>
-          <a:solidFill>
-            <a:srgbClr val="990000"/>
-          </a:solidFill>
-          <a:ln>
-            <a:solidFill>
-              <a:srgbClr val="C00000"/>
-            </a:solidFill>
-          </a:ln>
-        </p:spPr>
-        <p:style>
-          <a:lnRef idx="2">
-            <a:schemeClr val="accent1">
-              <a:shade val="50000"/>
-            </a:schemeClr>
-          </a:lnRef>
-          <a:fillRef idx="1">
-            <a:schemeClr val="accent1"/>
-          </a:fillRef>
-          <a:effectRef idx="0">
-            <a:schemeClr val="accent1"/>
-          </a:effectRef>
-          <a:fontRef idx="minor">
-            <a:schemeClr val="lt1"/>
-          </a:fontRef>
-        </p:style>
-        <p:txBody>
-          <a:bodyPr rtlCol="0" anchor="ctr"/>
-          <a:lstStyle/>
-          <a:p>
-            <a:pPr algn="ctr"/>
-            <a:r>
-              <a:rPr lang="en-US" dirty="0" err="1" smtClean="0"/>
-              <a:t>Fazit</a:t>
-            </a:r>
-            <a:endParaRPr lang="en-US" dirty="0"/>
-          </a:p>
-        </p:txBody>
-      </p:sp>
-      <p:sp>
-        <p:nvSpPr>
-          <p:cNvPr id="10" name="Titel 1"/>
-          <p:cNvSpPr txBox="1">
-            <a:spLocks/>
-          </p:cNvSpPr>
-          <p:nvPr/>
-        </p:nvSpPr>
-        <p:spPr>
-          <a:xfrm rot="20500301">
-            <a:off x="1474107" y="2804780"/>
-            <a:ext cx="9723665" cy="1191987"/>
-          </a:xfrm>
-          <a:prstGeom prst="rect">
-            <a:avLst/>
-          </a:prstGeom>
-          <a:ln>
-            <a:noFill/>
-          </a:ln>
-        </p:spPr>
-        <p:txBody>
-          <a:bodyPr anchor="ctr"/>
-          <a:lstStyle>
-            <a:lvl1pPr algn="l" defTabSz="914400" rtl="0" eaLnBrk="1" latinLnBrk="0" hangingPunct="1">
-              <a:lnSpc>
-                <a:spcPct val="90000"/>
-              </a:lnSpc>
-              <a:spcBef>
-                <a:spcPct val="0"/>
-              </a:spcBef>
-              <a:buNone/>
-              <a:defRPr sz="4400" kern="1200">
-                <a:solidFill>
-                  <a:srgbClr val="990000"/>
-                </a:solidFill>
-                <a:latin typeface="+mj-lt"/>
-                <a:ea typeface="+mj-ea"/>
-                <a:cs typeface="+mj-cs"/>
-              </a:defRPr>
-            </a:lvl1pPr>
-          </a:lstStyle>
-          <a:p>
-            <a:r>
-              <a:rPr lang="en-GB" sz="8000" b="1" dirty="0" err="1" smtClean="0">
-                <a:solidFill>
-                  <a:srgbClr val="FF0000"/>
-                </a:solidFill>
-              </a:rPr>
-              <a:t>Aktuelles</a:t>
-            </a:r>
-            <a:r>
-              <a:rPr lang="en-GB" sz="8000" b="1" dirty="0" smtClean="0">
-                <a:solidFill>
-                  <a:srgbClr val="FF0000"/>
-                </a:solidFill>
-              </a:rPr>
-              <a:t> ER-</a:t>
-            </a:r>
-            <a:r>
-              <a:rPr lang="en-GB" sz="8000" b="1" dirty="0" err="1" smtClean="0">
-                <a:solidFill>
-                  <a:srgbClr val="FF0000"/>
-                </a:solidFill>
-              </a:rPr>
-              <a:t>Diagramm</a:t>
-            </a:r>
-            <a:endParaRPr lang="en-GB" sz="8000" b="1" dirty="0">
-              <a:solidFill>
-                <a:srgbClr val="FF0000"/>
-              </a:solidFill>
-            </a:endParaRPr>
-          </a:p>
-        </p:txBody>
-      </p:sp>
     </p:spTree>
     <p:extLst>
       <p:ext uri="{BB962C8B-B14F-4D97-AF65-F5344CB8AC3E}">
@@ -10723,13 +10539,6 @@
   <p:clrMapOvr>
     <a:masterClrMapping/>
   </p:clrMapOvr>
-  <p:timing>
-    <p:tnLst>
-      <p:par>
-        <p:cTn id="1" dur="indefinite" restart="never" nodeType="tmRoot"/>
-      </p:par>
-    </p:tnLst>
-  </p:timing>
 </p:sld>
 </file>
 
@@ -10766,7 +10575,7 @@
           <a:lstStyle/>
           <a:p>
             <a:r>
-              <a:rPr lang="en-US" dirty="0" err="1" smtClean="0">
+              <a:rPr lang="en-US" dirty="0" err="1">
                 <a:solidFill>
                   <a:schemeClr val="tx1"/>
                 </a:solidFill>
@@ -10774,18 +10583,13 @@
               <a:t>Projektmanagement</a:t>
             </a:r>
             <a:r>
-              <a:rPr lang="en-US" dirty="0" smtClean="0">
+              <a:rPr lang="en-US" dirty="0">
                 <a:solidFill>
                   <a:schemeClr val="tx1"/>
                 </a:solidFill>
               </a:rPr>
               <a:t>: Modell</a:t>
             </a:r>
-            <a:endParaRPr lang="en-US" dirty="0">
-              <a:solidFill>
-                <a:schemeClr val="tx1"/>
-              </a:solidFill>
-            </a:endParaRPr>
           </a:p>
         </p:txBody>
       </p:sp>
@@ -11154,13 +10958,6 @@
       </p:transition>
     </mc:Fallback>
   </mc:AlternateContent>
-  <p:timing>
-    <p:tnLst>
-      <p:par>
-        <p:cTn id="1" dur="indefinite" restart="never" nodeType="tmRoot"/>
-      </p:par>
-    </p:tnLst>
-  </p:timing>
 </p:sld>
 </file>
 
@@ -11197,18 +10994,13 @@
           <a:lstStyle/>
           <a:p>
             <a:r>
-              <a:rPr lang="de-DE" dirty="0" smtClean="0">
+              <a:rPr lang="de-DE" dirty="0">
                 <a:solidFill>
                   <a:schemeClr val="tx1"/>
                 </a:solidFill>
               </a:rPr>
               <a:t>Muss - Kriterien</a:t>
             </a:r>
-            <a:endParaRPr lang="de-DE" dirty="0">
-              <a:solidFill>
-                <a:schemeClr val="tx1"/>
-              </a:solidFill>
-            </a:endParaRPr>
           </a:p>
         </p:txBody>
       </p:sp>
@@ -11246,15 +11038,7 @@
                 <a:ea typeface="Calibri" panose="020F0502020204030204" pitchFamily="34" charset="0"/>
                 <a:cs typeface="Calibri" panose="020F0502020204030204" pitchFamily="34" charset="0"/>
               </a:rPr>
-              <a:t>Benutzerauthentifizierung, Benutzer mit unterschiedlichen Rechten (Kunden und Admin inkl. Log-In und Log-Out</a:t>
-            </a:r>
-            <a:r>
-              <a:rPr lang="de-DE" sz="2000" dirty="0" smtClean="0">
-                <a:latin typeface="Calibri" panose="020F0502020204030204" pitchFamily="34" charset="0"/>
-                <a:ea typeface="Calibri" panose="020F0502020204030204" pitchFamily="34" charset="0"/>
-                <a:cs typeface="Calibri" panose="020F0502020204030204" pitchFamily="34" charset="0"/>
-              </a:rPr>
-              <a:t>)</a:t>
+              <a:t>Benutzerauthentifizierung, Benutzer mit unterschiedlichen Rechten (Kunden und Admin inkl. Log-In und Log-Out)</a:t>
             </a:r>
           </a:p>
           <a:p>
@@ -11271,15 +11055,7 @@
                 <a:ea typeface="Calibri" panose="020F0502020204030204" pitchFamily="34" charset="0"/>
                 <a:cs typeface="Calibri" panose="020F0502020204030204" pitchFamily="34" charset="0"/>
               </a:rPr>
-              <a:t>Die Passwörter werden als Hash-Wert in der Datenbanktabelle abgelegt</a:t>
-            </a:r>
-            <a:r>
-              <a:rPr lang="de-DE" sz="2000" dirty="0" smtClean="0">
-                <a:latin typeface="Calibri" panose="020F0502020204030204" pitchFamily="34" charset="0"/>
-                <a:ea typeface="Calibri" panose="020F0502020204030204" pitchFamily="34" charset="0"/>
-                <a:cs typeface="Calibri" panose="020F0502020204030204" pitchFamily="34" charset="0"/>
-              </a:rPr>
-              <a:t>.</a:t>
+              <a:t>Die Passwörter werden als Hash-Wert in der Datenbanktabelle abgelegt.</a:t>
             </a:r>
           </a:p>
           <a:p>
@@ -11294,20 +11070,12 @@
               <a:buChar char=""/>
             </a:pPr>
             <a:r>
-              <a:rPr lang="de-DE" sz="2000" dirty="0" smtClean="0">
-                <a:latin typeface="Calibri" panose="020F0502020204030204" pitchFamily="34" charset="0"/>
-                <a:ea typeface="Calibri" panose="020F0502020204030204" pitchFamily="34" charset="0"/>
-                <a:cs typeface="Calibri" panose="020F0502020204030204" pitchFamily="34" charset="0"/>
-              </a:rPr>
-              <a:t>Der </a:t>
-            </a:r>
-            <a:r>
               <a:rPr lang="de-DE" sz="2000" dirty="0">
                 <a:latin typeface="Calibri" panose="020F0502020204030204" pitchFamily="34" charset="0"/>
                 <a:ea typeface="Calibri" panose="020F0502020204030204" pitchFamily="34" charset="0"/>
                 <a:cs typeface="Calibri" panose="020F0502020204030204" pitchFamily="34" charset="0"/>
               </a:rPr>
-              <a:t>Admin kann den Kunden manuell bei der Bearbeitung der Kundendaten sperren</a:t>
+              <a:t>Der Admin kann den Kunden manuell bei der Bearbeitung der Kundendaten sperren</a:t>
             </a:r>
           </a:p>
           <a:p>
@@ -11322,44 +11090,12 @@
               <a:buChar char=""/>
             </a:pPr>
             <a:r>
-              <a:rPr lang="de-DE" sz="2000" dirty="0" smtClean="0">
-                <a:latin typeface="Calibri" panose="020F0502020204030204" pitchFamily="34" charset="0"/>
-                <a:ea typeface="Calibri" panose="020F0502020204030204" pitchFamily="34" charset="0"/>
-                <a:cs typeface="Calibri" panose="020F0502020204030204" pitchFamily="34" charset="0"/>
-              </a:rPr>
-              <a:t>Erfassen</a:t>
-            </a:r>
-            <a:r>
               <a:rPr lang="de-DE" sz="2000" dirty="0">
                 <a:latin typeface="Calibri" panose="020F0502020204030204" pitchFamily="34" charset="0"/>
                 <a:ea typeface="Calibri" panose="020F0502020204030204" pitchFamily="34" charset="0"/>
                 <a:cs typeface="Calibri" panose="020F0502020204030204" pitchFamily="34" charset="0"/>
               </a:rPr>
-              <a:t>, anzeigen, bearbeiten, löschen der </a:t>
-            </a:r>
-            <a:r>
-              <a:rPr lang="de-DE" sz="2000" dirty="0" smtClean="0">
-                <a:latin typeface="Calibri" panose="020F0502020204030204" pitchFamily="34" charset="0"/>
-                <a:ea typeface="Calibri" panose="020F0502020204030204" pitchFamily="34" charset="0"/>
-                <a:cs typeface="Calibri" panose="020F0502020204030204" pitchFamily="34" charset="0"/>
-              </a:rPr>
-              <a:t>Kategorien-, Festival-, Artikel- und Kategoriendaten </a:t>
-            </a:r>
-            <a:r>
-              <a:rPr lang="de-DE" sz="2000" dirty="0">
-                <a:latin typeface="Calibri" panose="020F0502020204030204" pitchFamily="34" charset="0"/>
-                <a:ea typeface="Calibri" panose="020F0502020204030204" pitchFamily="34" charset="0"/>
-                <a:cs typeface="Calibri" panose="020F0502020204030204" pitchFamily="34" charset="0"/>
-              </a:rPr>
-              <a:t>(durch den Admin</a:t>
-            </a:r>
-            <a:r>
-              <a:rPr lang="de-DE" sz="2000" dirty="0" smtClean="0">
-                <a:latin typeface="Calibri" panose="020F0502020204030204" pitchFamily="34" charset="0"/>
-                <a:ea typeface="Calibri" panose="020F0502020204030204" pitchFamily="34" charset="0"/>
-                <a:cs typeface="Calibri" panose="020F0502020204030204" pitchFamily="34" charset="0"/>
-              </a:rPr>
-              <a:t>)</a:t>
+              <a:t>Erfassen, anzeigen, bearbeiten, löschen der Kategorien-, Festival-, Artikel- und Kategoriendaten (durch den Admin)</a:t>
             </a:r>
           </a:p>
           <a:p>
@@ -11374,26 +11110,13 @@
               <a:buChar char=""/>
             </a:pPr>
             <a:r>
-              <a:rPr lang="de-DE" sz="2000" dirty="0" smtClean="0">
-                <a:latin typeface="Calibri" panose="020F0502020204030204" pitchFamily="34" charset="0"/>
-                <a:ea typeface="Calibri" panose="020F0502020204030204" pitchFamily="34" charset="0"/>
-                <a:cs typeface="Calibri" panose="020F0502020204030204" pitchFamily="34" charset="0"/>
-              </a:rPr>
-              <a:t>Es </a:t>
-            </a:r>
-            <a:r>
               <a:rPr lang="de-DE" sz="2000" dirty="0">
                 <a:latin typeface="Calibri" panose="020F0502020204030204" pitchFamily="34" charset="0"/>
                 <a:ea typeface="Calibri" panose="020F0502020204030204" pitchFamily="34" charset="0"/>
                 <a:cs typeface="Calibri" panose="020F0502020204030204" pitchFamily="34" charset="0"/>
               </a:rPr>
-              <a:t>gibt eine direkte Navigation zur Festivalsuche über die Startseite. </a:t>
-            </a:r>
-            <a:endParaRPr lang="de-DE" sz="2000" dirty="0" smtClean="0">
-              <a:latin typeface="Calibri" panose="020F0502020204030204" pitchFamily="34" charset="0"/>
-              <a:ea typeface="Calibri" panose="020F0502020204030204" pitchFamily="34" charset="0"/>
-              <a:cs typeface="Calibri" panose="020F0502020204030204" pitchFamily="34" charset="0"/>
-            </a:endParaRPr>
+              <a:t>Es gibt eine direkte Navigation zur Festivalsuche über die Startseite. </a:t>
+            </a:r>
           </a:p>
           <a:p>
             <a:pPr marL="342900" indent="-342900">
@@ -11409,21 +11132,8 @@
                 <a:ea typeface="Calibri" panose="020F0502020204030204" pitchFamily="34" charset="0"/>
                 <a:cs typeface="Calibri" panose="020F0502020204030204" pitchFamily="34" charset="0"/>
               </a:rPr>
-              <a:t>Die Suche nach Festivals kann über Name, Ort, Kategorie und Datum eingegrenzt werden</a:t>
-            </a:r>
-            <a:r>
-              <a:rPr lang="de-DE" sz="2000" dirty="0" smtClean="0">
-                <a:latin typeface="Calibri" panose="020F0502020204030204" pitchFamily="34" charset="0"/>
-                <a:ea typeface="Calibri" panose="020F0502020204030204" pitchFamily="34" charset="0"/>
-                <a:cs typeface="Calibri" panose="020F0502020204030204" pitchFamily="34" charset="0"/>
-              </a:rPr>
-              <a:t>.</a:t>
-            </a:r>
-            <a:endParaRPr lang="de-DE" sz="2000" dirty="0">
-              <a:latin typeface="Calibri" panose="020F0502020204030204" pitchFamily="34" charset="0"/>
-              <a:ea typeface="Calibri" panose="020F0502020204030204" pitchFamily="34" charset="0"/>
-              <a:cs typeface="Calibri" panose="020F0502020204030204" pitchFamily="34" charset="0"/>
-            </a:endParaRPr>
+              <a:t>Die Suche nach Festivals kann über Name, Ort, Kategorie und Datum eingegrenzt werden.</a:t>
+            </a:r>
           </a:p>
           <a:p>
             <a:pPr marL="342900" lvl="0" indent="-342900">
@@ -11444,11 +11154,6 @@
               </a:rPr>
               <a:t>Artikel in den Warenkorb legen, Warenkorb anzeigen und bearbeiten </a:t>
             </a:r>
-            <a:endParaRPr lang="de-DE" sz="2000" dirty="0" smtClean="0">
-              <a:latin typeface="Calibri" panose="020F0502020204030204" pitchFamily="34" charset="0"/>
-              <a:ea typeface="Calibri" panose="020F0502020204030204" pitchFamily="34" charset="0"/>
-              <a:cs typeface="Calibri" panose="020F0502020204030204" pitchFamily="34" charset="0"/>
-            </a:endParaRPr>
           </a:p>
           <a:p>
             <a:pPr marL="342900" lvl="0" indent="-342900">
@@ -11462,28 +11167,12 @@
               <a:buChar char=""/>
             </a:pPr>
             <a:r>
-              <a:rPr lang="de-DE" sz="2000" dirty="0" smtClean="0">
-                <a:latin typeface="Calibri" panose="020F0502020204030204" pitchFamily="34" charset="0"/>
-                <a:ea typeface="Calibri" panose="020F0502020204030204" pitchFamily="34" charset="0"/>
-                <a:cs typeface="Calibri" panose="020F0502020204030204" pitchFamily="34" charset="0"/>
-              </a:rPr>
-              <a:t>Erfassen </a:t>
-            </a:r>
-            <a:r>
               <a:rPr lang="de-DE" sz="2000" dirty="0">
                 <a:latin typeface="Calibri" panose="020F0502020204030204" pitchFamily="34" charset="0"/>
                 <a:ea typeface="Calibri" panose="020F0502020204030204" pitchFamily="34" charset="0"/>
                 <a:cs typeface="Calibri" panose="020F0502020204030204" pitchFamily="34" charset="0"/>
               </a:rPr>
-              <a:t>von Bestellungen und anzeigen von vergangenen </a:t>
-            </a:r>
-            <a:r>
-              <a:rPr lang="de-DE" sz="2000" dirty="0" smtClean="0">
-                <a:latin typeface="Calibri" panose="020F0502020204030204" pitchFamily="34" charset="0"/>
-                <a:ea typeface="Calibri" panose="020F0502020204030204" pitchFamily="34" charset="0"/>
-                <a:cs typeface="Calibri" panose="020F0502020204030204" pitchFamily="34" charset="0"/>
-              </a:rPr>
-              <a:t>Bestelldaten. </a:t>
+              <a:t>Erfassen von Bestellungen und anzeigen von vergangenen Bestelldaten. </a:t>
             </a:r>
           </a:p>
           <a:p>
@@ -11498,7 +11187,7 @@
               <a:buChar char=""/>
             </a:pPr>
             <a:r>
-              <a:rPr lang="de-DE" sz="2000" dirty="0" err="1" smtClean="0">
+              <a:rPr lang="de-DE" sz="2000" dirty="0" err="1">
                 <a:latin typeface="Calibri" panose="020F0502020204030204" pitchFamily="34" charset="0"/>
                 <a:ea typeface="Calibri" panose="020F0502020204030204" pitchFamily="34" charset="0"/>
                 <a:cs typeface="Calibri" panose="020F0502020204030204" pitchFamily="34" charset="0"/>
@@ -11506,20 +11195,12 @@
               <a:t>Responsive</a:t>
             </a:r>
             <a:r>
-              <a:rPr lang="de-DE" sz="2000" dirty="0" smtClean="0">
-                <a:latin typeface="Calibri" panose="020F0502020204030204" pitchFamily="34" charset="0"/>
-                <a:ea typeface="Calibri" panose="020F0502020204030204" pitchFamily="34" charset="0"/>
-                <a:cs typeface="Calibri" panose="020F0502020204030204" pitchFamily="34" charset="0"/>
-              </a:rPr>
-              <a:t> </a:t>
-            </a:r>
-            <a:r>
               <a:rPr lang="de-DE" sz="2000" dirty="0">
                 <a:latin typeface="Calibri" panose="020F0502020204030204" pitchFamily="34" charset="0"/>
                 <a:ea typeface="Calibri" panose="020F0502020204030204" pitchFamily="34" charset="0"/>
                 <a:cs typeface="Calibri" panose="020F0502020204030204" pitchFamily="34" charset="0"/>
               </a:rPr>
-              <a:t>Design auf Desktop und Android-Smartphone </a:t>
+              <a:t> Design auf Desktop und Android-Smartphone </a:t>
             </a:r>
             <a:r>
               <a:rPr lang="de-DE" sz="2000" dirty="0">
@@ -12541,18 +12222,13 @@
           <a:lstStyle/>
           <a:p>
             <a:r>
-              <a:rPr lang="de-DE" dirty="0" smtClean="0">
+              <a:rPr lang="de-DE" dirty="0">
                 <a:solidFill>
                   <a:schemeClr val="tx1"/>
                 </a:solidFill>
               </a:rPr>
               <a:t>Kann - Kriterien</a:t>
             </a:r>
-            <a:endParaRPr lang="de-DE" dirty="0">
-              <a:solidFill>
-                <a:schemeClr val="tx1"/>
-              </a:solidFill>
-            </a:endParaRPr>
           </a:p>
         </p:txBody>
       </p:sp>
@@ -12588,38 +12264,32 @@
               <a:buChar char=""/>
             </a:pPr>
             <a:r>
-              <a:rPr lang="de-DE" sz="2000" dirty="0" smtClean="0">
-                <a:latin typeface="Calibri" panose="020F0502020204030204" pitchFamily="34" charset="0"/>
-                <a:ea typeface="Calibri" panose="020F0502020204030204" pitchFamily="34" charset="0"/>
-                <a:cs typeface="Calibri" panose="020F0502020204030204" pitchFamily="34" charset="0"/>
-              </a:rPr>
-              <a:t>Kennwortrichtlinien </a:t>
-            </a:r>
-            <a:r>
               <a:rPr lang="de-DE" sz="2000" dirty="0">
                 <a:latin typeface="Calibri" panose="020F0502020204030204" pitchFamily="34" charset="0"/>
                 <a:ea typeface="Calibri" panose="020F0502020204030204" pitchFamily="34" charset="0"/>
                 <a:cs typeface="Calibri" panose="020F0502020204030204" pitchFamily="34" charset="0"/>
               </a:rPr>
-              <a:t>festlegen und </a:t>
-            </a:r>
-            <a:r>
-              <a:rPr lang="de-DE" sz="2000" dirty="0" smtClean="0">
-                <a:latin typeface="Calibri" panose="020F0502020204030204" pitchFamily="34" charset="0"/>
-                <a:ea typeface="Calibri" panose="020F0502020204030204" pitchFamily="34" charset="0"/>
-                <a:cs typeface="Calibri" panose="020F0502020204030204" pitchFamily="34" charset="0"/>
+              <a:t>Kennwortrichtlinien festlegen und prüfen</a:t>
+            </a:r>
+            <a:r>
+              <a:rPr lang="de-DE" sz="2000" dirty="0">
+                <a:latin typeface="Wingdings 2" panose="05020102010507070707" pitchFamily="18" charset="2"/>
+                <a:ea typeface="Times New Roman" panose="02020603050405020304" pitchFamily="18" charset="0"/>
+                <a:cs typeface="Arial" panose="020B0604020202020204" pitchFamily="34" charset="0"/>
               </a:rPr>
-              <a:t>prüfen</a:t>
-            </a:r>
+              <a:t> P</a:t>
+            </a:r>
+            <a:endParaRPr lang="de-DE" sz="2000" dirty="0">
+              <a:latin typeface="Calibri" panose="020F0502020204030204" pitchFamily="34" charset="0"/>
+              <a:ea typeface="Calibri" panose="020F0502020204030204" pitchFamily="34" charset="0"/>
+              <a:cs typeface="Calibri" panose="020F0502020204030204" pitchFamily="34" charset="0"/>
+            </a:endParaRPr>
           </a:p>
           <a:p>
-            <a:pPr marL="342900" lvl="0" indent="-342900">
+            <a:pPr marL="342900" indent="-342900">
               <a:lnSpc>
                 <a:spcPct val="115000"/>
               </a:lnSpc>
-              <a:spcAft>
-                <a:spcPts val="0"/>
-              </a:spcAft>
               <a:buFont typeface="Symbol" panose="05050102010706020507" pitchFamily="18" charset="2"/>
               <a:buChar char=""/>
             </a:pPr>
@@ -12629,15 +12299,19 @@
                 <a:ea typeface="Calibri" panose="020F0502020204030204" pitchFamily="34" charset="0"/>
                 <a:cs typeface="Calibri" panose="020F0502020204030204" pitchFamily="34" charset="0"/>
               </a:rPr>
-              <a:t>Kunden werden automatisch gesperrt (z.B. nach 3-mal falsch eingegebenem </a:t>
-            </a:r>
-            <a:r>
-              <a:rPr lang="de-DE" sz="2000" dirty="0" smtClean="0">
-                <a:latin typeface="Calibri" panose="020F0502020204030204" pitchFamily="34" charset="0"/>
-                <a:ea typeface="Calibri" panose="020F0502020204030204" pitchFamily="34" charset="0"/>
-                <a:cs typeface="Calibri" panose="020F0502020204030204" pitchFamily="34" charset="0"/>
+              <a:t>Kunden werden automatisch gesperrt (z.B. nach 3-mal falsch eingegebenem Kennwort)</a:t>
+            </a:r>
+            <a:r>
+              <a:rPr lang="de-DE" dirty="0"/>
+              <a:t> </a:t>
+            </a:r>
+            <a:r>
+              <a:rPr lang="de-DE" dirty="0">
+                <a:latin typeface="Wingdings 2" panose="05020102010507070707" pitchFamily="18" charset="2"/>
+                <a:ea typeface="Times New Roman" panose="02020603050405020304" pitchFamily="18" charset="0"/>
+                <a:cs typeface="Arial" panose="020B0604020202020204" pitchFamily="34" charset="0"/>
               </a:rPr>
-              <a:t>Kennwort)</a:t>
+              <a:t>P</a:t>
             </a:r>
             <a:endParaRPr lang="de-DE" sz="2000" dirty="0">
               <a:latin typeface="Calibri" panose="020F0502020204030204" pitchFamily="34" charset="0"/>
@@ -12662,15 +12336,7 @@
                 <a:ea typeface="Calibri" panose="020F0502020204030204" pitchFamily="34" charset="0"/>
                 <a:cs typeface="Calibri" panose="020F0502020204030204" pitchFamily="34" charset="0"/>
               </a:rPr>
-              <a:t>Automatisierte Möglichkeit um das Passwort </a:t>
-            </a:r>
-            <a:r>
-              <a:rPr lang="de-DE" sz="2000" dirty="0" smtClean="0">
-                <a:latin typeface="Calibri" panose="020F0502020204030204" pitchFamily="34" charset="0"/>
-                <a:ea typeface="Calibri" panose="020F0502020204030204" pitchFamily="34" charset="0"/>
-                <a:cs typeface="Calibri" panose="020F0502020204030204" pitchFamily="34" charset="0"/>
-              </a:rPr>
-              <a:t>zurückzusetzen</a:t>
+              <a:t>Automatisierte Möglichkeit um das Passwort zurückzusetzen</a:t>
             </a:r>
           </a:p>
           <a:p>
@@ -12687,15 +12353,55 @@
                 <a:ea typeface="Calibri" panose="020F0502020204030204" pitchFamily="34" charset="0"/>
                 <a:cs typeface="Calibri" panose="020F0502020204030204" pitchFamily="34" charset="0"/>
               </a:rPr>
-              <a:t>Prüfung, ob eine zulässige IBAN eingegeben </a:t>
-            </a:r>
-            <a:r>
-              <a:rPr lang="de-DE" sz="2000" dirty="0" smtClean="0">
+              <a:t>Prüfung, ob eine zulässige IBAN eingegeben wurde</a:t>
+            </a:r>
+          </a:p>
+          <a:p>
+            <a:pPr marL="342900" lvl="0" indent="-342900">
+              <a:lnSpc>
+                <a:spcPct val="115000"/>
+              </a:lnSpc>
+              <a:spcAft>
+                <a:spcPts val="0"/>
+              </a:spcAft>
+              <a:buFont typeface="Symbol" panose="05050102010706020507" pitchFamily="18" charset="2"/>
+              <a:buChar char=""/>
+            </a:pPr>
+            <a:r>
+              <a:rPr lang="de-DE" sz="2000" dirty="0">
                 <a:latin typeface="Calibri" panose="020F0502020204030204" pitchFamily="34" charset="0"/>
                 <a:ea typeface="Calibri" panose="020F0502020204030204" pitchFamily="34" charset="0"/>
                 <a:cs typeface="Calibri" panose="020F0502020204030204" pitchFamily="34" charset="0"/>
               </a:rPr>
-              <a:t>wurde</a:t>
+              <a:t>Bei der Festivalsuche kann in einem bestimmten Umkreis gesucht werden</a:t>
+            </a:r>
+          </a:p>
+          <a:p>
+            <a:pPr marL="342900" lvl="0" indent="-342900">
+              <a:lnSpc>
+                <a:spcPct val="115000"/>
+              </a:lnSpc>
+              <a:spcAft>
+                <a:spcPts val="0"/>
+              </a:spcAft>
+              <a:buFont typeface="Symbol" panose="05050102010706020507" pitchFamily="18" charset="2"/>
+              <a:buChar char=""/>
+            </a:pPr>
+            <a:r>
+              <a:rPr lang="de-DE" sz="2000" dirty="0">
+                <a:latin typeface="Calibri" panose="020F0502020204030204" pitchFamily="34" charset="0"/>
+                <a:ea typeface="Calibri" panose="020F0502020204030204" pitchFamily="34" charset="0"/>
+                <a:cs typeface="Calibri" panose="020F0502020204030204" pitchFamily="34" charset="0"/>
+              </a:rPr>
+              <a:t>Anlage von Admin-Konten über eine Oberfläche </a:t>
+            </a:r>
+            <a:r>
+              <a:rPr lang="de-DE" sz="2000" dirty="0">
+                <a:latin typeface="Wingdings 2" panose="05020102010507070707" pitchFamily="18" charset="2"/>
+                <a:ea typeface="Times New Roman" panose="02020603050405020304" pitchFamily="18" charset="0"/>
+                <a:cs typeface="Arial" panose="020B0604020202020204" pitchFamily="34" charset="0"/>
+              </a:rPr>
+              <a:t>P</a:t>
             </a:r>
             <a:endParaRPr lang="de-DE" sz="2000" dirty="0">
               <a:latin typeface="Calibri" panose="020F0502020204030204" pitchFamily="34" charset="0"/>
@@ -12715,28 +12421,12 @@
               <a:buChar char=""/>
             </a:pPr>
             <a:r>
-              <a:rPr lang="de-DE" sz="2000" dirty="0" smtClean="0">
-                <a:latin typeface="Calibri" panose="020F0502020204030204" pitchFamily="34" charset="0"/>
-                <a:ea typeface="Calibri" panose="020F0502020204030204" pitchFamily="34" charset="0"/>
-                <a:cs typeface="Calibri" panose="020F0502020204030204" pitchFamily="34" charset="0"/>
-              </a:rPr>
-              <a:t>Bei </a:t>
-            </a:r>
-            <a:r>
               <a:rPr lang="de-DE" sz="2000" dirty="0">
                 <a:latin typeface="Calibri" panose="020F0502020204030204" pitchFamily="34" charset="0"/>
                 <a:ea typeface="Calibri" panose="020F0502020204030204" pitchFamily="34" charset="0"/>
                 <a:cs typeface="Calibri" panose="020F0502020204030204" pitchFamily="34" charset="0"/>
               </a:rPr>
-              <a:t>der Festivalsuche kann in einem bestimmten Umkreis gesucht </a:t>
-            </a:r>
-            <a:r>
-              <a:rPr lang="de-DE" sz="2000" dirty="0" smtClean="0">
-                <a:latin typeface="Calibri" panose="020F0502020204030204" pitchFamily="34" charset="0"/>
-                <a:ea typeface="Calibri" panose="020F0502020204030204" pitchFamily="34" charset="0"/>
-                <a:cs typeface="Calibri" panose="020F0502020204030204" pitchFamily="34" charset="0"/>
-              </a:rPr>
-              <a:t>werden</a:t>
+              <a:t>Bewertungen für Artikel abgeben und einsehen können</a:t>
             </a:r>
           </a:p>
           <a:p>
@@ -12751,26 +12441,13 @@
               <a:buChar char=""/>
             </a:pPr>
             <a:r>
-              <a:rPr lang="de-DE" sz="2000" dirty="0" smtClean="0">
-                <a:latin typeface="Calibri" panose="020F0502020204030204" pitchFamily="34" charset="0"/>
-                <a:ea typeface="Calibri" panose="020F0502020204030204" pitchFamily="34" charset="0"/>
-                <a:cs typeface="Calibri" panose="020F0502020204030204" pitchFamily="34" charset="0"/>
-              </a:rPr>
-              <a:t>Anlage </a:t>
-            </a:r>
-            <a:r>
               <a:rPr lang="de-DE" sz="2000" dirty="0">
                 <a:latin typeface="Calibri" panose="020F0502020204030204" pitchFamily="34" charset="0"/>
                 <a:ea typeface="Calibri" panose="020F0502020204030204" pitchFamily="34" charset="0"/>
                 <a:cs typeface="Calibri" panose="020F0502020204030204" pitchFamily="34" charset="0"/>
               </a:rPr>
-              <a:t>von Admin-Konten über eine Oberfläche </a:t>
-            </a:r>
-            <a:endParaRPr lang="de-DE" sz="2000" dirty="0" smtClean="0">
-              <a:latin typeface="Calibri" panose="020F0502020204030204" pitchFamily="34" charset="0"/>
-              <a:ea typeface="Calibri" panose="020F0502020204030204" pitchFamily="34" charset="0"/>
-              <a:cs typeface="Calibri" panose="020F0502020204030204" pitchFamily="34" charset="0"/>
-            </a:endParaRPr>
+              <a:t>Bestandsführung der Artikel</a:t>
+            </a:r>
           </a:p>
           <a:p>
             <a:pPr marL="342900" lvl="0" indent="-342900">
@@ -12789,7 +12466,7 @@
                 <a:ea typeface="Calibri" panose="020F0502020204030204" pitchFamily="34" charset="0"/>
                 <a:cs typeface="Calibri" panose="020F0502020204030204" pitchFamily="34" charset="0"/>
               </a:rPr>
-              <a:t>Bewertungen für Artikel abgeben und einsehen können</a:t>
+              <a:t>Verwaltung der Kundenbestellungen aus Administrator-Sicht</a:t>
             </a:r>
           </a:p>
           <a:p>
@@ -12809,69 +12486,21 @@
                 <a:ea typeface="Calibri" panose="020F0502020204030204" pitchFamily="34" charset="0"/>
                 <a:cs typeface="Calibri" panose="020F0502020204030204" pitchFamily="34" charset="0"/>
               </a:rPr>
-              <a:t>Bestandsführung der Artikel</a:t>
-            </a:r>
-          </a:p>
-          <a:p>
-            <a:pPr marL="342900" lvl="0" indent="-342900">
-              <a:lnSpc>
-                <a:spcPct val="115000"/>
-              </a:lnSpc>
-              <a:spcAft>
-                <a:spcPts val="0"/>
-              </a:spcAft>
-              <a:buFont typeface="Symbol" panose="05050102010706020507" pitchFamily="18" charset="2"/>
-              <a:buChar char=""/>
-            </a:pPr>
+              <a:t>Einbinden von zusätzlichen Festival-Artikeln (Regencapes etc.) </a:t>
+            </a:r>
             <a:r>
               <a:rPr lang="de-DE" sz="2000" dirty="0">
-                <a:latin typeface="Calibri" panose="020F0502020204030204" pitchFamily="34" charset="0"/>
-                <a:ea typeface="Calibri" panose="020F0502020204030204" pitchFamily="34" charset="0"/>
-                <a:cs typeface="Calibri" panose="020F0502020204030204" pitchFamily="34" charset="0"/>
+                <a:latin typeface="Wingdings 2" panose="05020102010507070707" pitchFamily="18" charset="2"/>
+                <a:ea typeface="Times New Roman" panose="02020603050405020304" pitchFamily="18" charset="0"/>
+                <a:cs typeface="Arial" panose="020B0604020202020204" pitchFamily="34" charset="0"/>
               </a:rPr>
-              <a:t>Verwaltung der Kundenbestellungen aus </a:t>
-            </a:r>
-            <a:r>
-              <a:rPr lang="de-DE" sz="2000" dirty="0" smtClean="0">
-                <a:latin typeface="Calibri" panose="020F0502020204030204" pitchFamily="34" charset="0"/>
-                <a:ea typeface="Calibri" panose="020F0502020204030204" pitchFamily="34" charset="0"/>
-                <a:cs typeface="Calibri" panose="020F0502020204030204" pitchFamily="34" charset="0"/>
-              </a:rPr>
-              <a:t>Administrator-Sicht</a:t>
+              <a:t>P</a:t>
             </a:r>
             <a:endParaRPr lang="de-DE" sz="2000" dirty="0">
               <a:latin typeface="Calibri" panose="020F0502020204030204" pitchFamily="34" charset="0"/>
               <a:ea typeface="Calibri" panose="020F0502020204030204" pitchFamily="34" charset="0"/>
               <a:cs typeface="Calibri" panose="020F0502020204030204" pitchFamily="34" charset="0"/>
             </a:endParaRPr>
-          </a:p>
-          <a:p>
-            <a:pPr marL="342900" lvl="0" indent="-342900">
-              <a:lnSpc>
-                <a:spcPct val="115000"/>
-              </a:lnSpc>
-              <a:spcAft>
-                <a:spcPts val="0"/>
-              </a:spcAft>
-              <a:buFont typeface="Symbol" panose="05050102010706020507" pitchFamily="18" charset="2"/>
-              <a:buChar char=""/>
-            </a:pPr>
-            <a:r>
-              <a:rPr lang="de-DE" sz="2000" dirty="0" smtClean="0">
-                <a:latin typeface="Calibri" panose="020F0502020204030204" pitchFamily="34" charset="0"/>
-                <a:ea typeface="Calibri" panose="020F0502020204030204" pitchFamily="34" charset="0"/>
-                <a:cs typeface="Calibri" panose="020F0502020204030204" pitchFamily="34" charset="0"/>
-              </a:rPr>
-              <a:t>Einbinden </a:t>
-            </a:r>
-            <a:r>
-              <a:rPr lang="de-DE" sz="2000" dirty="0">
-                <a:latin typeface="Calibri" panose="020F0502020204030204" pitchFamily="34" charset="0"/>
-                <a:ea typeface="Calibri" panose="020F0502020204030204" pitchFamily="34" charset="0"/>
-                <a:cs typeface="Calibri" panose="020F0502020204030204" pitchFamily="34" charset="0"/>
-              </a:rPr>
-              <a:t>von zusätzlichen Festival-Artikeln (Regencapes etc.) </a:t>
-            </a:r>
           </a:p>
         </p:txBody>
       </p:sp>
@@ -13986,7 +13615,7 @@
           <a:lstStyle/>
           <a:p>
             <a:r>
-              <a:rPr lang="en-US" dirty="0" err="1" smtClean="0">
+              <a:rPr lang="en-US" dirty="0" err="1">
                 <a:solidFill>
                   <a:schemeClr val="tx1"/>
                 </a:solidFill>
@@ -14341,8 +13970,20 @@
                 <a:tableStyleId>{073A0DAA-6AF3-43AB-8588-CEC1D06C72B9}</a:tableStyleId>
               </a:tblPr>
               <a:tblGrid>
-                <a:gridCol w="3417756"/>
-                <a:gridCol w="974361"/>
+                <a:gridCol w="3417756">
+                  <a:extLst>
+                    <a:ext uri="{9D8B030D-6E8A-4147-A177-3AD203B41FA5}">
+                      <a16:colId xmlns:a16="http://schemas.microsoft.com/office/drawing/2014/main" val="20000"/>
+                    </a:ext>
+                  </a:extLst>
+                </a:gridCol>
+                <a:gridCol w="974361">
+                  <a:extLst>
+                    <a:ext uri="{9D8B030D-6E8A-4147-A177-3AD203B41FA5}">
+                      <a16:colId xmlns:a16="http://schemas.microsoft.com/office/drawing/2014/main" val="20001"/>
+                    </a:ext>
+                  </a:extLst>
+                </a:gridCol>
               </a:tblGrid>
               <a:tr h="370840">
                 <a:tc>
@@ -14351,10 +13992,9 @@
                     <a:lstStyle/>
                     <a:p>
                       <a:r>
-                        <a:rPr lang="de-DE" dirty="0" smtClean="0"/>
+                        <a:rPr lang="de-DE" dirty="0"/>
                         <a:t>Phase</a:t>
                       </a:r>
-                      <a:endParaRPr lang="de-DE" dirty="0"/>
                     </a:p>
                   </a:txBody>
                   <a:tcPr/>
@@ -14366,14 +14006,18 @@
                     <a:p>
                       <a:pPr algn="ctr"/>
                       <a:r>
-                        <a:rPr lang="de-DE" dirty="0" smtClean="0"/>
+                        <a:rPr lang="de-DE" dirty="0"/>
                         <a:t>Soll</a:t>
                       </a:r>
-                      <a:endParaRPr lang="de-DE" dirty="0"/>
                     </a:p>
                   </a:txBody>
                   <a:tcPr/>
                 </a:tc>
+                <a:extLst>
+                  <a:ext uri="{0D108BD9-81ED-4DB2-BD59-A6C34878D82A}">
+                    <a16:rowId xmlns:a16="http://schemas.microsoft.com/office/drawing/2014/main" val="10000"/>
+                  </a:ext>
+                </a:extLst>
               </a:tr>
               <a:tr h="370840">
                 <a:tc>
@@ -14382,10 +14026,9 @@
                     <a:lstStyle/>
                     <a:p>
                       <a:r>
-                        <a:rPr lang="de-DE" sz="2000" dirty="0" smtClean="0"/>
+                        <a:rPr lang="de-DE" sz="2000" dirty="0"/>
                         <a:t>Projektinitialisierung</a:t>
                       </a:r>
-                      <a:endParaRPr lang="de-DE" sz="2000" dirty="0"/>
                     </a:p>
                   </a:txBody>
                   <a:tcPr/>
@@ -14397,14 +14040,18 @@
                     <a:p>
                       <a:pPr algn="r"/>
                       <a:r>
-                        <a:rPr lang="de-DE" dirty="0" smtClean="0"/>
+                        <a:rPr lang="de-DE" dirty="0"/>
                         <a:t>3</a:t>
                       </a:r>
-                      <a:endParaRPr lang="de-DE" dirty="0"/>
                     </a:p>
                   </a:txBody>
                   <a:tcPr/>
                 </a:tc>
+                <a:extLst>
+                  <a:ext uri="{0D108BD9-81ED-4DB2-BD59-A6C34878D82A}">
+                    <a16:rowId xmlns:a16="http://schemas.microsoft.com/office/drawing/2014/main" val="10001"/>
+                  </a:ext>
+                </a:extLst>
               </a:tr>
               <a:tr h="370840">
                 <a:tc>
@@ -14413,10 +14060,9 @@
                     <a:lstStyle/>
                     <a:p>
                       <a:r>
-                        <a:rPr lang="de-DE" sz="2000" dirty="0" smtClean="0"/>
+                        <a:rPr lang="de-DE" sz="2000" dirty="0"/>
                         <a:t>Konzeption</a:t>
                       </a:r>
-                      <a:endParaRPr lang="de-DE" sz="2000" dirty="0"/>
                     </a:p>
                   </a:txBody>
                   <a:tcPr/>
@@ -14428,14 +14074,18 @@
                     <a:p>
                       <a:pPr algn="r"/>
                       <a:r>
-                        <a:rPr lang="de-DE" dirty="0" smtClean="0"/>
+                        <a:rPr lang="de-DE" dirty="0"/>
                         <a:t>22</a:t>
                       </a:r>
-                      <a:endParaRPr lang="de-DE" dirty="0"/>
                     </a:p>
                   </a:txBody>
                   <a:tcPr/>
                 </a:tc>
+                <a:extLst>
+                  <a:ext uri="{0D108BD9-81ED-4DB2-BD59-A6C34878D82A}">
+                    <a16:rowId xmlns:a16="http://schemas.microsoft.com/office/drawing/2014/main" val="10002"/>
+                  </a:ext>
+                </a:extLst>
               </a:tr>
               <a:tr h="537986">
                 <a:tc>
@@ -14444,10 +14094,9 @@
                     <a:lstStyle/>
                     <a:p>
                       <a:r>
-                        <a:rPr lang="de-DE" sz="2000" dirty="0" smtClean="0"/>
+                        <a:rPr lang="de-DE" sz="2000" dirty="0"/>
                         <a:t>Design</a:t>
                       </a:r>
-                      <a:endParaRPr lang="de-DE" sz="2000" dirty="0"/>
                     </a:p>
                   </a:txBody>
                   <a:tcPr/>
@@ -14459,14 +14108,18 @@
                     <a:p>
                       <a:pPr algn="r"/>
                       <a:r>
-                        <a:rPr lang="de-DE" dirty="0" smtClean="0"/>
+                        <a:rPr lang="de-DE" dirty="0"/>
                         <a:t>53</a:t>
                       </a:r>
-                      <a:endParaRPr lang="de-DE" dirty="0"/>
                     </a:p>
                   </a:txBody>
                   <a:tcPr/>
                 </a:tc>
+                <a:extLst>
+                  <a:ext uri="{0D108BD9-81ED-4DB2-BD59-A6C34878D82A}">
+                    <a16:rowId xmlns:a16="http://schemas.microsoft.com/office/drawing/2014/main" val="10003"/>
+                  </a:ext>
+                </a:extLst>
               </a:tr>
               <a:tr h="370840">
                 <a:tc>
@@ -14475,10 +14128,9 @@
                     <a:lstStyle/>
                     <a:p>
                       <a:r>
-                        <a:rPr lang="de-DE" sz="2000" dirty="0" smtClean="0"/>
+                        <a:rPr lang="de-DE" sz="2000" dirty="0"/>
                         <a:t>Realisierung </a:t>
                       </a:r>
-                      <a:endParaRPr lang="de-DE" sz="2000" dirty="0"/>
                     </a:p>
                   </a:txBody>
                   <a:tcPr/>
@@ -14490,14 +14142,18 @@
                     <a:p>
                       <a:pPr algn="r"/>
                       <a:r>
-                        <a:rPr lang="de-DE" dirty="0" smtClean="0"/>
+                        <a:rPr lang="de-DE" dirty="0"/>
                         <a:t>176</a:t>
                       </a:r>
-                      <a:endParaRPr lang="de-DE" dirty="0"/>
                     </a:p>
                   </a:txBody>
                   <a:tcPr/>
                 </a:tc>
+                <a:extLst>
+                  <a:ext uri="{0D108BD9-81ED-4DB2-BD59-A6C34878D82A}">
+                    <a16:rowId xmlns:a16="http://schemas.microsoft.com/office/drawing/2014/main" val="10004"/>
+                  </a:ext>
+                </a:extLst>
               </a:tr>
               <a:tr h="370840">
                 <a:tc>
@@ -14506,10 +14162,9 @@
                     <a:lstStyle/>
                     <a:p>
                       <a:r>
-                        <a:rPr lang="de-DE" sz="2000" dirty="0" smtClean="0"/>
+                        <a:rPr lang="de-DE" sz="2000" dirty="0"/>
                         <a:t>Test</a:t>
                       </a:r>
-                      <a:endParaRPr lang="de-DE" sz="2000" dirty="0"/>
                     </a:p>
                   </a:txBody>
                   <a:tcPr/>
@@ -14521,14 +14176,18 @@
                     <a:p>
                       <a:pPr algn="r"/>
                       <a:r>
-                        <a:rPr lang="de-DE" dirty="0" smtClean="0"/>
+                        <a:rPr lang="de-DE" dirty="0"/>
                         <a:t>33</a:t>
                       </a:r>
-                      <a:endParaRPr lang="de-DE" dirty="0"/>
                     </a:p>
                   </a:txBody>
                   <a:tcPr/>
                 </a:tc>
+                <a:extLst>
+                  <a:ext uri="{0D108BD9-81ED-4DB2-BD59-A6C34878D82A}">
+                    <a16:rowId xmlns:a16="http://schemas.microsoft.com/office/drawing/2014/main" val="10005"/>
+                  </a:ext>
+                </a:extLst>
               </a:tr>
               <a:tr h="370840">
                 <a:tc>
@@ -14537,10 +14196,9 @@
                     <a:lstStyle/>
                     <a:p>
                       <a:r>
-                        <a:rPr lang="de-DE" sz="2000" dirty="0" smtClean="0"/>
+                        <a:rPr lang="de-DE" sz="2000" dirty="0"/>
                         <a:t>Projektleitung</a:t>
                       </a:r>
-                      <a:endParaRPr lang="de-DE" sz="2000" dirty="0"/>
                     </a:p>
                   </a:txBody>
                   <a:tcPr/>
@@ -14552,14 +14210,18 @@
                     <a:p>
                       <a:pPr algn="r"/>
                       <a:r>
-                        <a:rPr lang="de-DE" dirty="0" smtClean="0"/>
+                        <a:rPr lang="de-DE" dirty="0"/>
                         <a:t>28</a:t>
                       </a:r>
-                      <a:endParaRPr lang="de-DE" dirty="0"/>
                     </a:p>
                   </a:txBody>
                   <a:tcPr/>
                 </a:tc>
+                <a:extLst>
+                  <a:ext uri="{0D108BD9-81ED-4DB2-BD59-A6C34878D82A}">
+                    <a16:rowId xmlns:a16="http://schemas.microsoft.com/office/drawing/2014/main" val="10006"/>
+                  </a:ext>
+                </a:extLst>
               </a:tr>
               <a:tr h="370840">
                 <a:tc>
@@ -14568,24 +14230,19 @@
                     <a:lstStyle/>
                     <a:p>
                       <a:r>
-                        <a:rPr lang="de-DE" sz="2000" dirty="0" smtClean="0">
+                        <a:rPr lang="de-DE" sz="2000" dirty="0">
                           <a:sym typeface="Wingdings" panose="05000000000000000000" pitchFamily="2" charset="2"/>
                         </a:rPr>
                         <a:t> </a:t>
                       </a:r>
                       <a:r>
-                        <a:rPr lang="de-DE" sz="2000" b="1" dirty="0" smtClean="0">
+                        <a:rPr lang="de-DE" sz="2000" b="1" dirty="0">
                           <a:solidFill>
                             <a:schemeClr val="tx1"/>
                           </a:solidFill>
                         </a:rPr>
                         <a:t>Gesamt bis Präsentation</a:t>
                       </a:r>
-                      <a:endParaRPr lang="de-DE" sz="2000" b="1" dirty="0">
-                        <a:solidFill>
-                          <a:schemeClr val="tx1"/>
-                        </a:solidFill>
-                      </a:endParaRPr>
                     </a:p>
                   </a:txBody>
                   <a:tcPr/>
@@ -14597,14 +14254,18 @@
                     <a:p>
                       <a:pPr algn="r"/>
                       <a:r>
-                        <a:rPr lang="de-DE" dirty="0" smtClean="0"/>
+                        <a:rPr lang="de-DE" dirty="0"/>
                         <a:t>315</a:t>
                       </a:r>
-                      <a:endParaRPr lang="de-DE" dirty="0"/>
                     </a:p>
                   </a:txBody>
                   <a:tcPr/>
                 </a:tc>
+                <a:extLst>
+                  <a:ext uri="{0D108BD9-81ED-4DB2-BD59-A6C34878D82A}">
+                    <a16:rowId xmlns:a16="http://schemas.microsoft.com/office/drawing/2014/main" val="10007"/>
+                  </a:ext>
+                </a:extLst>
               </a:tr>
               <a:tr h="370840">
                 <a:tc>
@@ -14613,10 +14274,9 @@
                     <a:lstStyle/>
                     <a:p>
                       <a:r>
-                        <a:rPr lang="de-DE" sz="2000" dirty="0" smtClean="0"/>
+                        <a:rPr lang="de-DE" sz="2000" dirty="0"/>
                         <a:t>Dokumentation</a:t>
                       </a:r>
-                      <a:endParaRPr lang="de-DE" sz="2000" dirty="0"/>
                     </a:p>
                   </a:txBody>
                   <a:tcPr/>
@@ -14628,14 +14288,18 @@
                     <a:p>
                       <a:pPr algn="r"/>
                       <a:r>
-                        <a:rPr lang="de-DE" dirty="0" smtClean="0"/>
+                        <a:rPr lang="de-DE" dirty="0"/>
                         <a:t>45</a:t>
                       </a:r>
-                      <a:endParaRPr lang="de-DE" dirty="0"/>
                     </a:p>
                   </a:txBody>
                   <a:tcPr/>
                 </a:tc>
+                <a:extLst>
+                  <a:ext uri="{0D108BD9-81ED-4DB2-BD59-A6C34878D82A}">
+                    <a16:rowId xmlns:a16="http://schemas.microsoft.com/office/drawing/2014/main" val="10008"/>
+                  </a:ext>
+                </a:extLst>
               </a:tr>
               <a:tr h="370840">
                 <a:tc>
@@ -14644,10 +14308,9 @@
                     <a:lstStyle/>
                     <a:p>
                       <a:r>
-                        <a:rPr lang="de-DE" sz="2000" b="1" dirty="0" smtClean="0"/>
+                        <a:rPr lang="de-DE" sz="2000" b="1" dirty="0"/>
                         <a:t>Gesamt</a:t>
                       </a:r>
-                      <a:endParaRPr lang="de-DE" sz="2000" b="1" dirty="0"/>
                     </a:p>
                   </a:txBody>
                   <a:tcPr/>
@@ -14659,14 +14322,18 @@
                     <a:p>
                       <a:pPr algn="r"/>
                       <a:r>
-                        <a:rPr lang="de-DE" b="1" dirty="0" smtClean="0"/>
+                        <a:rPr lang="de-DE" b="1" dirty="0"/>
                         <a:t>360</a:t>
                       </a:r>
-                      <a:endParaRPr lang="de-DE" b="1" dirty="0"/>
                     </a:p>
                   </a:txBody>
                   <a:tcPr/>
                 </a:tc>
+                <a:extLst>
+                  <a:ext uri="{0D108BD9-81ED-4DB2-BD59-A6C34878D82A}">
+                    <a16:rowId xmlns:a16="http://schemas.microsoft.com/office/drawing/2014/main" val="10009"/>
+                  </a:ext>
+                </a:extLst>
               </a:tr>
             </a:tbl>
           </a:graphicData>
@@ -14694,13 +14361,6 @@
       </p:transition>
     </mc:Fallback>
   </mc:AlternateContent>
-  <p:timing>
-    <p:tnLst>
-      <p:par>
-        <p:cTn id="1" dur="indefinite" restart="never" nodeType="tmRoot"/>
-      </p:par>
-    </p:tnLst>
-  </p:timing>
 </p:sld>
 </file>
 

--- a/Abschlusspräsentation-Festiva_Änderungen Nicola.pptx
+++ b/Abschlusspräsentation-Festiva_Änderungen Nicola.pptx
@@ -6,7 +6,7 @@
     <p:sldMasterId id="2147483650" r:id="rId2"/>
   </p:sldMasterIdLst>
   <p:notesMasterIdLst>
-    <p:notesMasterId r:id="rId17"/>
+    <p:notesMasterId r:id="rId16"/>
   </p:notesMasterIdLst>
   <p:sldIdLst>
     <p:sldId id="256" r:id="rId3"/>
@@ -19,10 +19,9 @@
     <p:sldId id="278" r:id="rId10"/>
     <p:sldId id="276" r:id="rId11"/>
     <p:sldId id="260" r:id="rId12"/>
-    <p:sldId id="261" r:id="rId13"/>
-    <p:sldId id="275" r:id="rId14"/>
-    <p:sldId id="270" r:id="rId15"/>
-    <p:sldId id="279" r:id="rId16"/>
+    <p:sldId id="275" r:id="rId13"/>
+    <p:sldId id="270" r:id="rId14"/>
+    <p:sldId id="279" r:id="rId15"/>
   </p:sldIdLst>
   <p:sldSz cx="12192000" cy="6858000"/>
   <p:notesSz cx="6858000" cy="9144000"/>
@@ -6332,469 +6331,6 @@
       </p:grpSpPr>
       <p:sp>
         <p:nvSpPr>
-          <p:cNvPr id="2" name="Titel 1"/>
-          <p:cNvSpPr>
-            <a:spLocks noGrp="1"/>
-          </p:cNvSpPr>
-          <p:nvPr>
-            <p:ph type="title"/>
-          </p:nvPr>
-        </p:nvSpPr>
-        <p:spPr/>
-        <p:txBody>
-          <a:bodyPr/>
-          <a:lstStyle/>
-          <a:p>
-            <a:r>
-              <a:rPr lang="en-US" dirty="0" err="1">
-                <a:solidFill>
-                  <a:schemeClr val="tx1"/>
-                </a:solidFill>
-              </a:rPr>
-              <a:t>Erfüllung</a:t>
-            </a:r>
-            <a:r>
-              <a:rPr lang="en-US" dirty="0">
-                <a:solidFill>
-                  <a:schemeClr val="tx1"/>
-                </a:solidFill>
-              </a:rPr>
-              <a:t> der </a:t>
-            </a:r>
-            <a:r>
-              <a:rPr lang="en-US" dirty="0" err="1">
-                <a:solidFill>
-                  <a:schemeClr val="tx1"/>
-                </a:solidFill>
-              </a:rPr>
-              <a:t>Kriterien</a:t>
-            </a:r>
-            <a:endParaRPr lang="en-US" dirty="0">
-              <a:solidFill>
-                <a:schemeClr val="tx1"/>
-              </a:solidFill>
-            </a:endParaRPr>
-          </a:p>
-        </p:txBody>
-      </p:sp>
-      <p:sp>
-        <p:nvSpPr>
-          <p:cNvPr id="9" name="Rechteck 8"/>
-          <p:cNvSpPr/>
-          <p:nvPr/>
-        </p:nvSpPr>
-        <p:spPr>
-          <a:xfrm>
-            <a:off x="0" y="5710766"/>
-            <a:ext cx="2429142" cy="304800"/>
-          </a:xfrm>
-          <a:prstGeom prst="rect">
-            <a:avLst/>
-          </a:prstGeom>
-          <a:solidFill>
-            <a:srgbClr val="990000"/>
-          </a:solidFill>
-          <a:ln>
-            <a:solidFill>
-              <a:srgbClr val="C00000"/>
-            </a:solidFill>
-          </a:ln>
-        </p:spPr>
-        <p:style>
-          <a:lnRef idx="2">
-            <a:schemeClr val="accent1">
-              <a:shade val="50000"/>
-            </a:schemeClr>
-          </a:lnRef>
-          <a:fillRef idx="1">
-            <a:schemeClr val="accent1"/>
-          </a:fillRef>
-          <a:effectRef idx="0">
-            <a:schemeClr val="accent1"/>
-          </a:effectRef>
-          <a:fontRef idx="minor">
-            <a:schemeClr val="lt1"/>
-          </a:fontRef>
-        </p:style>
-        <p:txBody>
-          <a:bodyPr rtlCol="0" anchor="ctr"/>
-          <a:lstStyle/>
-          <a:p>
-            <a:pPr algn="ctr"/>
-            <a:r>
-              <a:rPr lang="en-US" dirty="0" err="1"/>
-              <a:t>Technisches</a:t>
-            </a:r>
-            <a:r>
-              <a:rPr lang="en-US" dirty="0"/>
-              <a:t> </a:t>
-            </a:r>
-            <a:r>
-              <a:rPr lang="en-US" dirty="0" err="1"/>
-              <a:t>Konzept</a:t>
-            </a:r>
-            <a:endParaRPr lang="en-US" dirty="0"/>
-          </a:p>
-        </p:txBody>
-      </p:sp>
-      <p:sp>
-        <p:nvSpPr>
-          <p:cNvPr id="10" name="Rechteck 9"/>
-          <p:cNvSpPr/>
-          <p:nvPr/>
-        </p:nvSpPr>
-        <p:spPr>
-          <a:xfrm>
-            <a:off x="2429475" y="5710766"/>
-            <a:ext cx="2444739" cy="304800"/>
-          </a:xfrm>
-          <a:prstGeom prst="rect">
-            <a:avLst/>
-          </a:prstGeom>
-          <a:solidFill>
-            <a:srgbClr val="990000"/>
-          </a:solidFill>
-          <a:ln>
-            <a:solidFill>
-              <a:srgbClr val="C00000"/>
-            </a:solidFill>
-          </a:ln>
-        </p:spPr>
-        <p:style>
-          <a:lnRef idx="2">
-            <a:schemeClr val="accent1">
-              <a:shade val="50000"/>
-            </a:schemeClr>
-          </a:lnRef>
-          <a:fillRef idx="1">
-            <a:schemeClr val="accent1"/>
-          </a:fillRef>
-          <a:effectRef idx="0">
-            <a:schemeClr val="accent1"/>
-          </a:effectRef>
-          <a:fontRef idx="minor">
-            <a:schemeClr val="lt1"/>
-          </a:fontRef>
-        </p:style>
-        <p:txBody>
-          <a:bodyPr rtlCol="0" anchor="ctr"/>
-          <a:lstStyle/>
-          <a:p>
-            <a:pPr algn="ctr"/>
-            <a:r>
-              <a:rPr lang="en-US" dirty="0" err="1"/>
-              <a:t>Projektmanagement</a:t>
-            </a:r>
-            <a:endParaRPr lang="en-US" dirty="0"/>
-          </a:p>
-        </p:txBody>
-      </p:sp>
-      <p:sp>
-        <p:nvSpPr>
-          <p:cNvPr id="11" name="Rechteck 10"/>
-          <p:cNvSpPr/>
-          <p:nvPr/>
-        </p:nvSpPr>
-        <p:spPr>
-          <a:xfrm>
-            <a:off x="4881119" y="5710766"/>
-            <a:ext cx="2438167" cy="304800"/>
-          </a:xfrm>
-          <a:prstGeom prst="rect">
-            <a:avLst/>
-          </a:prstGeom>
-          <a:solidFill>
-            <a:srgbClr val="990000"/>
-          </a:solidFill>
-          <a:ln>
-            <a:solidFill>
-              <a:srgbClr val="C00000"/>
-            </a:solidFill>
-          </a:ln>
-        </p:spPr>
-        <p:style>
-          <a:lnRef idx="2">
-            <a:schemeClr val="accent1">
-              <a:shade val="50000"/>
-            </a:schemeClr>
-          </a:lnRef>
-          <a:fillRef idx="1">
-            <a:schemeClr val="accent1"/>
-          </a:fillRef>
-          <a:effectRef idx="0">
-            <a:schemeClr val="accent1"/>
-          </a:effectRef>
-          <a:fontRef idx="minor">
-            <a:schemeClr val="lt1"/>
-          </a:fontRef>
-        </p:style>
-        <p:txBody>
-          <a:bodyPr rtlCol="0" anchor="ctr"/>
-          <a:lstStyle/>
-          <a:p>
-            <a:pPr algn="ctr"/>
-            <a:r>
-              <a:rPr lang="en-US" dirty="0" err="1"/>
-              <a:t>Funktionen</a:t>
-            </a:r>
-            <a:endParaRPr lang="en-US" dirty="0"/>
-          </a:p>
-        </p:txBody>
-      </p:sp>
-      <p:sp>
-        <p:nvSpPr>
-          <p:cNvPr id="12" name="Rechteck 11"/>
-          <p:cNvSpPr/>
-          <p:nvPr/>
-        </p:nvSpPr>
-        <p:spPr>
-          <a:xfrm>
-            <a:off x="7319286" y="5710766"/>
-            <a:ext cx="2438166" cy="304800"/>
-          </a:xfrm>
-          <a:prstGeom prst="rect">
-            <a:avLst/>
-          </a:prstGeom>
-          <a:solidFill>
-            <a:srgbClr val="990000"/>
-          </a:solidFill>
-          <a:ln>
-            <a:solidFill>
-              <a:srgbClr val="C00000"/>
-            </a:solidFill>
-          </a:ln>
-        </p:spPr>
-        <p:style>
-          <a:lnRef idx="2">
-            <a:schemeClr val="accent1">
-              <a:shade val="50000"/>
-            </a:schemeClr>
-          </a:lnRef>
-          <a:fillRef idx="1">
-            <a:schemeClr val="accent1"/>
-          </a:fillRef>
-          <a:effectRef idx="0">
-            <a:schemeClr val="accent1"/>
-          </a:effectRef>
-          <a:fontRef idx="minor">
-            <a:schemeClr val="lt1"/>
-          </a:fontRef>
-        </p:style>
-        <p:txBody>
-          <a:bodyPr rtlCol="0" anchor="ctr"/>
-          <a:lstStyle/>
-          <a:p>
-            <a:pPr algn="ctr"/>
-            <a:r>
-              <a:rPr lang="en-US" dirty="0"/>
-              <a:t>Live Demo</a:t>
-            </a:r>
-          </a:p>
-        </p:txBody>
-      </p:sp>
-      <p:sp>
-        <p:nvSpPr>
-          <p:cNvPr id="13" name="Rechteck 12"/>
-          <p:cNvSpPr/>
-          <p:nvPr/>
-        </p:nvSpPr>
-        <p:spPr>
-          <a:xfrm>
-            <a:off x="9757452" y="5578962"/>
-            <a:ext cx="2438167" cy="436604"/>
-          </a:xfrm>
-          <a:prstGeom prst="rect">
-            <a:avLst/>
-          </a:prstGeom>
-          <a:solidFill>
-            <a:srgbClr val="C00000"/>
-          </a:solidFill>
-          <a:ln>
-            <a:solidFill>
-              <a:srgbClr val="990000"/>
-            </a:solidFill>
-          </a:ln>
-        </p:spPr>
-        <p:style>
-          <a:lnRef idx="2">
-            <a:schemeClr val="accent1">
-              <a:shade val="50000"/>
-            </a:schemeClr>
-          </a:lnRef>
-          <a:fillRef idx="1">
-            <a:schemeClr val="accent1"/>
-          </a:fillRef>
-          <a:effectRef idx="0">
-            <a:schemeClr val="accent1"/>
-          </a:effectRef>
-          <a:fontRef idx="minor">
-            <a:schemeClr val="lt1"/>
-          </a:fontRef>
-        </p:style>
-        <p:txBody>
-          <a:bodyPr rtlCol="0" anchor="ctr"/>
-          <a:lstStyle/>
-          <a:p>
-            <a:pPr algn="ctr"/>
-            <a:r>
-              <a:rPr lang="en-US" dirty="0" err="1"/>
-              <a:t>Fazit</a:t>
-            </a:r>
-            <a:endParaRPr lang="en-US" dirty="0"/>
-          </a:p>
-        </p:txBody>
-      </p:sp>
-      <p:sp>
-        <p:nvSpPr>
-          <p:cNvPr id="17" name="Rechteck 16"/>
-          <p:cNvSpPr/>
-          <p:nvPr/>
-        </p:nvSpPr>
-        <p:spPr>
-          <a:xfrm>
-            <a:off x="653216" y="1592532"/>
-            <a:ext cx="10493005" cy="2385268"/>
-          </a:xfrm>
-          <a:prstGeom prst="rect">
-            <a:avLst/>
-          </a:prstGeom>
-        </p:spPr>
-        <p:txBody>
-          <a:bodyPr wrap="square">
-            <a:spAutoFit/>
-          </a:bodyPr>
-          <a:lstStyle/>
-          <a:p>
-            <a:pPr marL="342900" lvl="0" indent="-342900">
-              <a:lnSpc>
-                <a:spcPct val="115000"/>
-              </a:lnSpc>
-              <a:spcAft>
-                <a:spcPts val="0"/>
-              </a:spcAft>
-              <a:buFont typeface="Arial" panose="020B0604020202020204" pitchFamily="34" charset="0"/>
-              <a:buChar char="•"/>
-            </a:pPr>
-            <a:r>
-              <a:rPr lang="de-DE" sz="2000" dirty="0">
-                <a:latin typeface="Calibri" panose="020F0502020204030204" pitchFamily="34" charset="0"/>
-                <a:ea typeface="Calibri" panose="020F0502020204030204" pitchFamily="34" charset="0"/>
-                <a:cs typeface="Calibri" panose="020F0502020204030204" pitchFamily="34" charset="0"/>
-              </a:rPr>
-              <a:t>Muss-Kriterien alle erfüllt</a:t>
-            </a:r>
-          </a:p>
-          <a:p>
-            <a:pPr marL="342900" lvl="0" indent="-342900">
-              <a:lnSpc>
-                <a:spcPct val="115000"/>
-              </a:lnSpc>
-              <a:spcAft>
-                <a:spcPts val="0"/>
-              </a:spcAft>
-              <a:buFont typeface="Arial" panose="020B0604020202020204" pitchFamily="34" charset="0"/>
-              <a:buChar char="•"/>
-            </a:pPr>
-            <a:r>
-              <a:rPr lang="de-DE" sz="2000" dirty="0">
-                <a:latin typeface="Calibri" panose="020F0502020204030204" pitchFamily="34" charset="0"/>
-                <a:ea typeface="Calibri" panose="020F0502020204030204" pitchFamily="34" charset="0"/>
-                <a:cs typeface="Calibri" panose="020F0502020204030204" pitchFamily="34" charset="0"/>
-              </a:rPr>
-              <a:t>Erfüllte Kann-Kriterien:</a:t>
-            </a:r>
-          </a:p>
-          <a:p>
-            <a:pPr marL="800100" lvl="1" indent="-342900">
-              <a:buFont typeface="Arial" panose="020B0604020202020204" pitchFamily="34" charset="0"/>
-              <a:buChar char="•"/>
-            </a:pPr>
-            <a:r>
-              <a:rPr lang="de-DE" sz="2000" dirty="0"/>
-              <a:t>Kunden werden automatisch gesperrt </a:t>
-            </a:r>
-          </a:p>
-          <a:p>
-            <a:pPr marL="800100" lvl="1" indent="-342900" fontAlgn="t">
-              <a:buFont typeface="Arial" panose="020B0604020202020204" pitchFamily="34" charset="0"/>
-              <a:buChar char="•"/>
-            </a:pPr>
-            <a:r>
-              <a:rPr lang="de-DE" sz="2000" dirty="0"/>
-              <a:t>Kennwortrichtlinien festlegen und prüfen</a:t>
-            </a:r>
-          </a:p>
-          <a:p>
-            <a:pPr marL="800100" lvl="1" indent="-342900">
-              <a:buFont typeface="Arial" panose="020B0604020202020204" pitchFamily="34" charset="0"/>
-              <a:buChar char="•"/>
-            </a:pPr>
-            <a:r>
-              <a:rPr lang="de-DE" sz="2000" dirty="0"/>
-              <a:t>Anlage von Admin-Konten über eine Oberfläche </a:t>
-            </a:r>
-          </a:p>
-          <a:p>
-            <a:pPr marL="800100" lvl="1" indent="-342900">
-              <a:buFont typeface="Arial" panose="020B0604020202020204" pitchFamily="34" charset="0"/>
-              <a:buChar char="•"/>
-            </a:pPr>
-            <a:r>
-              <a:rPr lang="de-DE" sz="2000" dirty="0"/>
-              <a:t>Einbinden von zusätzlichen Festival-Artikeln</a:t>
-            </a:r>
-          </a:p>
-          <a:p>
-            <a:pPr marL="457200" lvl="0" indent="-457200">
-              <a:lnSpc>
-                <a:spcPct val="115000"/>
-              </a:lnSpc>
-              <a:spcAft>
-                <a:spcPts val="0"/>
-              </a:spcAft>
-              <a:buFont typeface="+mj-lt"/>
-              <a:buAutoNum type="arabicPeriod"/>
-            </a:pPr>
-            <a:endParaRPr lang="de-DE" sz="2000" dirty="0">
-              <a:latin typeface="Calibri" panose="020F0502020204030204" pitchFamily="34" charset="0"/>
-              <a:ea typeface="Calibri" panose="020F0502020204030204" pitchFamily="34" charset="0"/>
-              <a:cs typeface="Calibri" panose="020F0502020204030204" pitchFamily="34" charset="0"/>
-            </a:endParaRPr>
-          </a:p>
-        </p:txBody>
-      </p:sp>
-    </p:spTree>
-    <p:extLst>
-      <p:ext uri="{BB962C8B-B14F-4D97-AF65-F5344CB8AC3E}">
-        <p14:creationId xmlns:p14="http://schemas.microsoft.com/office/powerpoint/2010/main" val="3133564744"/>
-      </p:ext>
-    </p:extLst>
-  </p:cSld>
-  <p:clrMapOvr>
-    <a:masterClrMapping/>
-  </p:clrMapOvr>
-</p:sld>
-</file>
-
-<file path=ppt/slides/slide12.xml><?xml version="1.0" encoding="utf-8"?>
-<p:sld xmlns:a="http://schemas.openxmlformats.org/drawingml/2006/main" xmlns:r="http://schemas.openxmlformats.org/officeDocument/2006/relationships" xmlns:p="http://schemas.openxmlformats.org/presentationml/2006/main">
-  <p:cSld>
-    <p:spTree>
-      <p:nvGrpSpPr>
-        <p:cNvPr id="1" name=""/>
-        <p:cNvGrpSpPr/>
-        <p:nvPr/>
-      </p:nvGrpSpPr>
-      <p:grpSpPr>
-        <a:xfrm>
-          <a:off x="0" y="0"/>
-          <a:ext cx="0" cy="0"/>
-          <a:chOff x="0" y="0"/>
-          <a:chExt cx="0" cy="0"/>
-        </a:xfrm>
-      </p:grpSpPr>
-      <p:sp>
-        <p:nvSpPr>
           <p:cNvPr id="9" name="Rechteck 8"/>
           <p:cNvSpPr/>
           <p:nvPr/>
@@ -7920,7 +7456,7 @@
 </p:sld>
 </file>
 
-<file path=ppt/slides/slide13.xml><?xml version="1.0" encoding="utf-8"?>
+<file path=ppt/slides/slide12.xml><?xml version="1.0" encoding="utf-8"?>
 <p:sld xmlns:a="http://schemas.openxmlformats.org/drawingml/2006/main" xmlns:r="http://schemas.openxmlformats.org/officeDocument/2006/relationships" xmlns:p="http://schemas.openxmlformats.org/presentationml/2006/main">
   <p:cSld>
     <p:spTree>
@@ -8486,7 +8022,7 @@
 </p:sld>
 </file>
 
-<file path=ppt/slides/slide14.xml><?xml version="1.0" encoding="utf-8"?>
+<file path=ppt/slides/slide13.xml><?xml version="1.0" encoding="utf-8"?>
 <p:sld xmlns:a="http://schemas.openxmlformats.org/drawingml/2006/main" xmlns:r="http://schemas.openxmlformats.org/officeDocument/2006/relationships" xmlns:p="http://schemas.openxmlformats.org/presentationml/2006/main">
   <p:cSld>
     <p:spTree>
@@ -13954,13 +13490,13 @@
           <p:nvPr>
             <p:extLst>
               <p:ext uri="{D42A27DB-BD31-4B8C-83A1-F6EECF244321}">
-                <p14:modId xmlns:p14="http://schemas.microsoft.com/office/powerpoint/2010/main" val="2242606340"/>
+                <p14:modId xmlns:p14="http://schemas.microsoft.com/office/powerpoint/2010/main" val="3928044240"/>
               </p:ext>
             </p:extLst>
           </p:nvPr>
         </p:nvGraphicFramePr>
         <p:xfrm>
-          <a:off x="1528998" y="1496830"/>
+          <a:off x="3584303" y="1496830"/>
           <a:ext cx="4392117" cy="4078746"/>
         </p:xfrm>
         <a:graphic>

--- a/Abschlusspräsentation-Festiva_Änderungen Nicola.pptx
+++ b/Abschlusspräsentation-Festiva_Änderungen Nicola.pptx
@@ -6687,7 +6687,7 @@
           <p:nvPr>
             <p:extLst>
               <p:ext uri="{D42A27DB-BD31-4B8C-83A1-F6EECF244321}">
-                <p14:modId xmlns:p14="http://schemas.microsoft.com/office/powerpoint/2010/main" val="1856832522"/>
+                <p14:modId xmlns:p14="http://schemas.microsoft.com/office/powerpoint/2010/main" val="1990631815"/>
               </p:ext>
             </p:extLst>
           </p:nvPr>
@@ -7026,7 +7026,7 @@
                       <a:pPr algn="r"/>
                       <a:r>
                         <a:rPr lang="de-DE" sz="1800" dirty="0"/>
-                        <a:t>195</a:t>
+                        <a:t>190</a:t>
                       </a:r>
                     </a:p>
                   </a:txBody>
@@ -7044,7 +7044,7 @@
                             <a:srgbClr val="FF0000"/>
                           </a:solidFill>
                         </a:rPr>
-                        <a:t>+19</a:t>
+                        <a:t>+14</a:t>
                       </a:r>
                     </a:p>
                   </a:txBody>
@@ -7092,7 +7092,7 @@
                       <a:pPr algn="r"/>
                       <a:r>
                         <a:rPr lang="de-DE" sz="1800" dirty="0"/>
-                        <a:t>25</a:t>
+                        <a:t>25,5</a:t>
                       </a:r>
                     </a:p>
                   </a:txBody>
@@ -7110,7 +7110,7 @@
                             <a:srgbClr val="00B050"/>
                           </a:solidFill>
                         </a:rPr>
-                        <a:t>-8</a:t>
+                        <a:t>-7,5</a:t>
                       </a:r>
                     </a:p>
                   </a:txBody>
@@ -7158,7 +7158,7 @@
                       <a:pPr algn="r"/>
                       <a:r>
                         <a:rPr lang="de-DE" sz="1800" dirty="0"/>
-                        <a:t>22</a:t>
+                        <a:t>24</a:t>
                       </a:r>
                     </a:p>
                   </a:txBody>
@@ -7176,7 +7176,7 @@
                             <a:srgbClr val="00B050"/>
                           </a:solidFill>
                         </a:rPr>
-                        <a:t>-6</a:t>
+                        <a:t>-4</a:t>
                       </a:r>
                     </a:p>
                   </a:txBody>
@@ -7296,7 +7296,7 @@
                       <a:pPr algn="r"/>
                       <a:r>
                         <a:rPr lang="de-DE" sz="1800" dirty="0"/>
-                        <a:t>337</a:t>
+                        <a:t>332,5</a:t>
                       </a:r>
                     </a:p>
                   </a:txBody>
@@ -7314,7 +7314,7 @@
                             <a:srgbClr val="FF0000"/>
                           </a:solidFill>
                         </a:rPr>
-                        <a:t>+7</a:t>
+                        <a:t>+4,5</a:t>
                       </a:r>
                     </a:p>
                   </a:txBody>

--- a/Abschlusspräsentation-Festiva_Änderungen Nicola.pptx
+++ b/Abschlusspräsentation-Festiva_Änderungen Nicola.pptx
@@ -4341,7 +4341,7 @@
           <a:p>
             <a:fld id="{1261BBFF-9D77-47D6-97C5-45941DD9B00F}" type="datetimeFigureOut">
               <a:rPr lang="en-US" smtClean="0"/>
-              <a:t>11/20/2016</a:t>
+              <a:t>11/21/2016</a:t>
             </a:fld>
             <a:endParaRPr lang="en-US"/>
           </a:p>
@@ -4782,7 +4782,7 @@
                   <a:schemeClr val="tx1"/>
                 </a:solidFill>
               </a:rPr>
-              <a:t>20. November 2016</a:t>
+              <a:t>21. November 2016</a:t>
             </a:fld>
             <a:endParaRPr lang="en-US" dirty="0">
               <a:solidFill>
@@ -4823,13 +4823,18 @@
               <a:t>‹Nr.›</a:t>
             </a:fld>
             <a:r>
-              <a:rPr lang="en-US" dirty="0">
+              <a:rPr lang="en-US">
                 <a:solidFill>
                   <a:srgbClr val="990000"/>
                 </a:solidFill>
               </a:rPr>
-              <a:t>/14</a:t>
-            </a:r>
+              <a:t>/13</a:t>
+            </a:r>
+            <a:endParaRPr lang="en-US" dirty="0">
+              <a:solidFill>
+                <a:srgbClr val="990000"/>
+              </a:solidFill>
+            </a:endParaRPr>
           </a:p>
         </p:txBody>
       </p:sp>
@@ -6291,7 +6296,7 @@
         </p:blipFill>
         <p:spPr>
           <a:xfrm>
-            <a:off x="2781837" y="1472910"/>
+            <a:off x="2768585" y="1446406"/>
             <a:ext cx="6831572" cy="4103994"/>
           </a:xfrm>
           <a:prstGeom prst="rect">
@@ -10576,6 +10581,19 @@
               </a:rPr>
               <a:t>Benutzerauthentifizierung, Benutzer mit unterschiedlichen Rechten (Kunden und Admin inkl. Log-In und Log-Out)</a:t>
             </a:r>
+            <a:r>
+              <a:rPr lang="de-DE" sz="2000" dirty="0">
+                <a:latin typeface="Wingdings 2" panose="05020102010507070707" pitchFamily="18" charset="2"/>
+                <a:ea typeface="Times New Roman" panose="02020603050405020304" pitchFamily="18" charset="0"/>
+                <a:cs typeface="Arial" panose="020B0604020202020204" pitchFamily="34" charset="0"/>
+              </a:rPr>
+              <a:t> P</a:t>
+            </a:r>
+            <a:endParaRPr lang="de-DE" sz="2000" dirty="0">
+              <a:latin typeface="Calibri" panose="020F0502020204030204" pitchFamily="34" charset="0"/>
+              <a:ea typeface="Calibri" panose="020F0502020204030204" pitchFamily="34" charset="0"/>
+              <a:cs typeface="Calibri" panose="020F0502020204030204" pitchFamily="34" charset="0"/>
+            </a:endParaRPr>
           </a:p>
           <a:p>
             <a:pPr marL="342900" indent="-342900">
@@ -10593,6 +10611,19 @@
               </a:rPr>
               <a:t>Die Passwörter werden als Hash-Wert in der Datenbanktabelle abgelegt.</a:t>
             </a:r>
+            <a:r>
+              <a:rPr lang="de-DE" sz="2000" dirty="0">
+                <a:latin typeface="Wingdings 2" panose="05020102010507070707" pitchFamily="18" charset="2"/>
+                <a:ea typeface="Times New Roman" panose="02020603050405020304" pitchFamily="18" charset="0"/>
+                <a:cs typeface="Arial" panose="020B0604020202020204" pitchFamily="34" charset="0"/>
+              </a:rPr>
+              <a:t> P</a:t>
+            </a:r>
+            <a:endParaRPr lang="de-DE" sz="2000" dirty="0">
+              <a:latin typeface="Calibri" panose="020F0502020204030204" pitchFamily="34" charset="0"/>
+              <a:ea typeface="Calibri" panose="020F0502020204030204" pitchFamily="34" charset="0"/>
+              <a:cs typeface="Calibri" panose="020F0502020204030204" pitchFamily="34" charset="0"/>
+            </a:endParaRPr>
           </a:p>
           <a:p>
             <a:pPr marL="342900" lvl="0" indent="-342900">
@@ -10613,6 +10644,19 @@
               </a:rPr>
               <a:t>Der Admin kann den Kunden manuell bei der Bearbeitung der Kundendaten sperren</a:t>
             </a:r>
+            <a:r>
+              <a:rPr lang="de-DE" sz="2000" dirty="0">
+                <a:latin typeface="Wingdings 2" panose="05020102010507070707" pitchFamily="18" charset="2"/>
+                <a:ea typeface="Times New Roman" panose="02020603050405020304" pitchFamily="18" charset="0"/>
+                <a:cs typeface="Arial" panose="020B0604020202020204" pitchFamily="34" charset="0"/>
+              </a:rPr>
+              <a:t> P</a:t>
+            </a:r>
+            <a:endParaRPr lang="de-DE" sz="2000" dirty="0">
+              <a:latin typeface="Calibri" panose="020F0502020204030204" pitchFamily="34" charset="0"/>
+              <a:ea typeface="Calibri" panose="020F0502020204030204" pitchFamily="34" charset="0"/>
+              <a:cs typeface="Calibri" panose="020F0502020204030204" pitchFamily="34" charset="0"/>
+            </a:endParaRPr>
           </a:p>
           <a:p>
             <a:pPr marL="342900" lvl="0" indent="-342900">
@@ -10631,8 +10675,37 @@
                 <a:ea typeface="Calibri" panose="020F0502020204030204" pitchFamily="34" charset="0"/>
                 <a:cs typeface="Calibri" panose="020F0502020204030204" pitchFamily="34" charset="0"/>
               </a:rPr>
-              <a:t>Erfassen, anzeigen, bearbeiten, löschen der Kategorien-, Festival-, Artikel- und Kategoriendaten (durch den Admin)</a:t>
-            </a:r>
+              <a:t>Erfassen, anzeigen, bearbeiten, löschen der Kategorien-, Festival-, Artikel- und</a:t>
+            </a:r>
+            <a:r>
+              <a:rPr lang="de-DE" sz="2000" dirty="0">
+                <a:latin typeface="Wingdings 2" panose="05020102010507070707" pitchFamily="18" charset="2"/>
+                <a:ea typeface="Times New Roman" panose="02020603050405020304" pitchFamily="18" charset="0"/>
+                <a:cs typeface="Arial" panose="020B0604020202020204" pitchFamily="34" charset="0"/>
+              </a:rPr>
+              <a:t>  </a:t>
+            </a:r>
+            <a:r>
+              <a:rPr lang="de-DE" sz="2000" dirty="0">
+                <a:latin typeface="Calibri" panose="020F0502020204030204" pitchFamily="34" charset="0"/>
+                <a:ea typeface="Calibri" panose="020F0502020204030204" pitchFamily="34" charset="0"/>
+                <a:cs typeface="Calibri" panose="020F0502020204030204" pitchFamily="34" charset="0"/>
+              </a:rPr>
+              <a:t>Kategoriendaten (durch den Admin)</a:t>
+            </a:r>
+            <a:r>
+              <a:rPr lang="de-DE" sz="2000" dirty="0">
+                <a:latin typeface="Wingdings 2" panose="05020102010507070707" pitchFamily="18" charset="2"/>
+                <a:ea typeface="Times New Roman" panose="02020603050405020304" pitchFamily="18" charset="0"/>
+                <a:cs typeface="Arial" panose="020B0604020202020204" pitchFamily="34" charset="0"/>
+              </a:rPr>
+              <a:t> P</a:t>
+            </a:r>
+            <a:endParaRPr lang="de-DE" sz="2000" dirty="0">
+              <a:latin typeface="Calibri" panose="020F0502020204030204" pitchFamily="34" charset="0"/>
+              <a:ea typeface="Calibri" panose="020F0502020204030204" pitchFamily="34" charset="0"/>
+              <a:cs typeface="Calibri" panose="020F0502020204030204" pitchFamily="34" charset="0"/>
+            </a:endParaRPr>
           </a:p>
           <a:p>
             <a:pPr marL="342900" lvl="0" indent="-342900">
@@ -10651,7 +10724,23 @@
                 <a:ea typeface="Calibri" panose="020F0502020204030204" pitchFamily="34" charset="0"/>
                 <a:cs typeface="Calibri" panose="020F0502020204030204" pitchFamily="34" charset="0"/>
               </a:rPr>
-              <a:t>Es gibt eine direkte Navigation zur Festivalsuche über die Startseite. </a:t>
+              <a:t>Es gibt eine direkte Navigation zur Festivalsuche über die Startseite.</a:t>
+            </a:r>
+            <a:r>
+              <a:rPr lang="de-DE" sz="2000" dirty="0">
+                <a:latin typeface="Wingdings 2" panose="05020102010507070707" pitchFamily="18" charset="2"/>
+                <a:ea typeface="Times New Roman" panose="02020603050405020304" pitchFamily="18" charset="0"/>
+                <a:cs typeface="Arial" panose="020B0604020202020204" pitchFamily="34" charset="0"/>
+              </a:rPr>
+              <a:t> P</a:t>
+            </a:r>
+            <a:r>
+              <a:rPr lang="de-DE" sz="2000" dirty="0">
+                <a:latin typeface="Calibri" panose="020F0502020204030204" pitchFamily="34" charset="0"/>
+                <a:ea typeface="Calibri" panose="020F0502020204030204" pitchFamily="34" charset="0"/>
+                <a:cs typeface="Calibri" panose="020F0502020204030204" pitchFamily="34" charset="0"/>
+              </a:rPr>
+              <a:t> </a:t>
             </a:r>
           </a:p>
           <a:p>
@@ -10670,6 +10759,19 @@
               </a:rPr>
               <a:t>Die Suche nach Festivals kann über Name, Ort, Kategorie und Datum eingegrenzt werden.</a:t>
             </a:r>
+            <a:r>
+              <a:rPr lang="de-DE" sz="2000" dirty="0">
+                <a:latin typeface="Wingdings 2" panose="05020102010507070707" pitchFamily="18" charset="2"/>
+                <a:ea typeface="Times New Roman" panose="02020603050405020304" pitchFamily="18" charset="0"/>
+                <a:cs typeface="Arial" panose="020B0604020202020204" pitchFamily="34" charset="0"/>
+              </a:rPr>
+              <a:t> P</a:t>
+            </a:r>
+            <a:endParaRPr lang="de-DE" sz="2000" dirty="0">
+              <a:latin typeface="Calibri" panose="020F0502020204030204" pitchFamily="34" charset="0"/>
+              <a:ea typeface="Calibri" panose="020F0502020204030204" pitchFamily="34" charset="0"/>
+              <a:cs typeface="Calibri" panose="020F0502020204030204" pitchFamily="34" charset="0"/>
+            </a:endParaRPr>
           </a:p>
           <a:p>
             <a:pPr marL="342900" lvl="0" indent="-342900">
@@ -10690,6 +10792,19 @@
               </a:rPr>
               <a:t>Artikel in den Warenkorb legen, Warenkorb anzeigen und bearbeiten </a:t>
             </a:r>
+            <a:r>
+              <a:rPr lang="de-DE" sz="2000" dirty="0">
+                <a:latin typeface="Wingdings 2" panose="05020102010507070707" pitchFamily="18" charset="2"/>
+                <a:ea typeface="Times New Roman" panose="02020603050405020304" pitchFamily="18" charset="0"/>
+                <a:cs typeface="Arial" panose="020B0604020202020204" pitchFamily="34" charset="0"/>
+              </a:rPr>
+              <a:t>P</a:t>
+            </a:r>
+            <a:endParaRPr lang="de-DE" sz="2000" dirty="0">
+              <a:latin typeface="Calibri" panose="020F0502020204030204" pitchFamily="34" charset="0"/>
+              <a:ea typeface="Calibri" panose="020F0502020204030204" pitchFamily="34" charset="0"/>
+              <a:cs typeface="Calibri" panose="020F0502020204030204" pitchFamily="34" charset="0"/>
+            </a:endParaRPr>
           </a:p>
           <a:p>
             <a:pPr marL="342900" lvl="0" indent="-342900">
@@ -10710,6 +10825,19 @@
               </a:rPr>
               <a:t>Erfassen von Bestellungen und anzeigen von vergangenen Bestelldaten. </a:t>
             </a:r>
+            <a:r>
+              <a:rPr lang="de-DE" sz="2000" dirty="0">
+                <a:latin typeface="Wingdings 2" panose="05020102010507070707" pitchFamily="18" charset="2"/>
+                <a:ea typeface="Times New Roman" panose="02020603050405020304" pitchFamily="18" charset="0"/>
+                <a:cs typeface="Arial" panose="020B0604020202020204" pitchFamily="34" charset="0"/>
+              </a:rPr>
+              <a:t>P</a:t>
+            </a:r>
+            <a:endParaRPr lang="de-DE" sz="2000" dirty="0">
+              <a:latin typeface="Calibri" panose="020F0502020204030204" pitchFamily="34" charset="0"/>
+              <a:ea typeface="Calibri" panose="020F0502020204030204" pitchFamily="34" charset="0"/>
+              <a:cs typeface="Calibri" panose="020F0502020204030204" pitchFamily="34" charset="0"/>
+            </a:endParaRPr>
           </a:p>
           <a:p>
             <a:pPr marL="342900" lvl="0" indent="-342900">
@@ -10745,6 +10873,14 @@
                 <a:cs typeface="Calibri" panose="020F0502020204030204" pitchFamily="34" charset="0"/>
               </a:rPr>
               <a:t> </a:t>
+            </a:r>
+            <a:r>
+              <a:rPr lang="de-DE" sz="2000" dirty="0">
+                <a:latin typeface="Wingdings 2" panose="05020102010507070707" pitchFamily="18" charset="2"/>
+                <a:ea typeface="Times New Roman" panose="02020603050405020304" pitchFamily="18" charset="0"/>
+                <a:cs typeface="Arial" panose="020B0604020202020204" pitchFamily="34" charset="0"/>
+              </a:rPr>
+              <a:t> P</a:t>
             </a:r>
             <a:endParaRPr lang="de-DE" sz="2000" dirty="0">
               <a:effectLst/>
@@ -13490,13 +13626,13 @@
           <p:nvPr>
             <p:extLst>
               <p:ext uri="{D42A27DB-BD31-4B8C-83A1-F6EECF244321}">
-                <p14:modId xmlns:p14="http://schemas.microsoft.com/office/powerpoint/2010/main" val="3928044240"/>
+                <p14:modId xmlns:p14="http://schemas.microsoft.com/office/powerpoint/2010/main" val="242339249"/>
               </p:ext>
             </p:extLst>
           </p:nvPr>
         </p:nvGraphicFramePr>
         <p:xfrm>
-          <a:off x="3584303" y="1496830"/>
+          <a:off x="3584303" y="1443822"/>
           <a:ext cx="4392117" cy="4078746"/>
         </p:xfrm>
         <a:graphic>
